--- a/presentations/2026-02-25-csun.pptx
+++ b/presentations/2026-02-25-csun.pptx
@@ -5,7 +5,7 @@
     <p:sldMasterId id="2147483672" r:id="rId1"/>
   </p:sldMasterIdLst>
   <p:notesMasterIdLst>
-    <p:notesMasterId r:id="rId15"/>
+    <p:notesMasterId r:id="rId35"/>
   </p:notesMasterIdLst>
   <p:sldIdLst>
     <p:sldId id="256" r:id="rId2"/>
@@ -21,6 +21,26 @@
     <p:sldId id="264" r:id="rId12"/>
     <p:sldId id="267" r:id="rId13"/>
     <p:sldId id="268" r:id="rId14"/>
+    <p:sldId id="269" r:id="rId15"/>
+    <p:sldId id="270" r:id="rId16"/>
+    <p:sldId id="271" r:id="rId17"/>
+    <p:sldId id="272" r:id="rId18"/>
+    <p:sldId id="273" r:id="rId19"/>
+    <p:sldId id="274" r:id="rId20"/>
+    <p:sldId id="275" r:id="rId21"/>
+    <p:sldId id="276" r:id="rId22"/>
+    <p:sldId id="277" r:id="rId23"/>
+    <p:sldId id="278" r:id="rId24"/>
+    <p:sldId id="279" r:id="rId25"/>
+    <p:sldId id="280" r:id="rId26"/>
+    <p:sldId id="281" r:id="rId27"/>
+    <p:sldId id="282" r:id="rId28"/>
+    <p:sldId id="285" r:id="rId29"/>
+    <p:sldId id="283" r:id="rId30"/>
+    <p:sldId id="284" r:id="rId31"/>
+    <p:sldId id="286" r:id="rId32"/>
+    <p:sldId id="287" r:id="rId33"/>
+    <p:sldId id="288" r:id="rId34"/>
   </p:sldIdLst>
   <p:sldSz cx="12192000" cy="6858000"/>
   <p:notesSz cx="6858000" cy="9144000"/>
@@ -209,7 +229,7 @@
           <a:p>
             <a:fld id="{0ECEC965-92CC-F343-AAD8-B6509BC28377}" type="datetimeFigureOut">
               <a:rPr lang="en-US" smtClean="0"/>
-              <a:t>2/17/26</a:t>
+              <a:t>2/17/2026</a:t>
             </a:fld>
             <a:endParaRPr lang="en-US"/>
           </a:p>
@@ -923,6 +943,699 @@
 </p:notes>
 </file>
 
+<file path=ppt/notesSlides/notesSlide13.xml><?xml version="1.0" encoding="utf-8"?>
+<p:notes xmlns:a="http://schemas.openxmlformats.org/drawingml/2006/main" xmlns:r="http://schemas.openxmlformats.org/officeDocument/2006/relationships" xmlns:p="http://schemas.openxmlformats.org/presentationml/2006/main">
+  <p:cSld>
+    <p:spTree>
+      <p:nvGrpSpPr>
+        <p:cNvPr id="1" name="">
+          <a:extLst>
+            <a:ext uri="{FF2B5EF4-FFF2-40B4-BE49-F238E27FC236}">
+              <a16:creationId xmlns:a16="http://schemas.microsoft.com/office/drawing/2014/main" id="{29CE6722-E292-CA1B-AE2D-CFA4DA9C1160}"/>
+            </a:ext>
+          </a:extLst>
+        </p:cNvPr>
+        <p:cNvGrpSpPr/>
+        <p:nvPr/>
+      </p:nvGrpSpPr>
+      <p:grpSpPr>
+        <a:xfrm>
+          <a:off x="0" y="0"/>
+          <a:ext cx="0" cy="0"/>
+          <a:chOff x="0" y="0"/>
+          <a:chExt cx="0" cy="0"/>
+        </a:xfrm>
+      </p:grpSpPr>
+      <p:sp>
+        <p:nvSpPr>
+          <p:cNvPr id="2" name="Slide Image Placeholder 1">
+            <a:extLst>
+              <a:ext uri="{FF2B5EF4-FFF2-40B4-BE49-F238E27FC236}">
+                <a16:creationId xmlns:a16="http://schemas.microsoft.com/office/drawing/2014/main" id="{3CB708E4-0872-7CF2-B718-06F06F94D112}"/>
+              </a:ext>
+            </a:extLst>
+          </p:cNvPr>
+          <p:cNvSpPr>
+            <a:spLocks noGrp="1" noRot="1" noChangeAspect="1"/>
+          </p:cNvSpPr>
+          <p:nvPr>
+            <p:ph type="sldImg"/>
+          </p:nvPr>
+        </p:nvSpPr>
+        <p:spPr/>
+      </p:sp>
+      <p:sp>
+        <p:nvSpPr>
+          <p:cNvPr id="3" name="Notes Placeholder 2">
+            <a:extLst>
+              <a:ext uri="{FF2B5EF4-FFF2-40B4-BE49-F238E27FC236}">
+                <a16:creationId xmlns:a16="http://schemas.microsoft.com/office/drawing/2014/main" id="{182B8E4F-F0EC-D496-11EF-4405F1788E47}"/>
+              </a:ext>
+            </a:extLst>
+          </p:cNvPr>
+          <p:cNvSpPr>
+            <a:spLocks noGrp="1"/>
+          </p:cNvSpPr>
+          <p:nvPr>
+            <p:ph type="body" idx="1"/>
+          </p:nvPr>
+        </p:nvSpPr>
+        <p:spPr/>
+        <p:txBody>
+          <a:bodyPr/>
+          <a:lstStyle/>
+          <a:p>
+            <a:endParaRPr lang="en-US" dirty="0"/>
+          </a:p>
+        </p:txBody>
+      </p:sp>
+      <p:sp>
+        <p:nvSpPr>
+          <p:cNvPr id="4" name="Slide Number Placeholder 3">
+            <a:extLst>
+              <a:ext uri="{FF2B5EF4-FFF2-40B4-BE49-F238E27FC236}">
+                <a16:creationId xmlns:a16="http://schemas.microsoft.com/office/drawing/2014/main" id="{DBA82DD2-C14E-E8B6-424E-9138BB9FD492}"/>
+              </a:ext>
+            </a:extLst>
+          </p:cNvPr>
+          <p:cNvSpPr>
+            <a:spLocks noGrp="1"/>
+          </p:cNvSpPr>
+          <p:nvPr>
+            <p:ph type="sldNum" sz="quarter" idx="5"/>
+          </p:nvPr>
+        </p:nvSpPr>
+        <p:spPr/>
+        <p:txBody>
+          <a:bodyPr/>
+          <a:lstStyle/>
+          <a:p>
+            <a:fld id="{03BE7BC1-9F45-5A4F-89A2-62472E8D9650}" type="slidenum">
+              <a:rPr lang="en-US" smtClean="0"/>
+              <a:t>14</a:t>
+            </a:fld>
+            <a:endParaRPr lang="en-US"/>
+          </a:p>
+        </p:txBody>
+      </p:sp>
+    </p:spTree>
+    <p:extLst>
+      <p:ext uri="{BB962C8B-B14F-4D97-AF65-F5344CB8AC3E}">
+        <p14:creationId xmlns:p14="http://schemas.microsoft.com/office/powerpoint/2010/main" val="2217647106"/>
+      </p:ext>
+    </p:extLst>
+  </p:cSld>
+  <p:clrMapOvr>
+    <a:masterClrMapping/>
+  </p:clrMapOvr>
+</p:notes>
+</file>
+
+<file path=ppt/notesSlides/notesSlide14.xml><?xml version="1.0" encoding="utf-8"?>
+<p:notes xmlns:a="http://schemas.openxmlformats.org/drawingml/2006/main" xmlns:r="http://schemas.openxmlformats.org/officeDocument/2006/relationships" xmlns:p="http://schemas.openxmlformats.org/presentationml/2006/main">
+  <p:cSld>
+    <p:spTree>
+      <p:nvGrpSpPr>
+        <p:cNvPr id="1" name="">
+          <a:extLst>
+            <a:ext uri="{FF2B5EF4-FFF2-40B4-BE49-F238E27FC236}">
+              <a16:creationId xmlns:a16="http://schemas.microsoft.com/office/drawing/2014/main" id="{E39DE4B4-1F65-681E-C5A5-5DC0EC126B9F}"/>
+            </a:ext>
+          </a:extLst>
+        </p:cNvPr>
+        <p:cNvGrpSpPr/>
+        <p:nvPr/>
+      </p:nvGrpSpPr>
+      <p:grpSpPr>
+        <a:xfrm>
+          <a:off x="0" y="0"/>
+          <a:ext cx="0" cy="0"/>
+          <a:chOff x="0" y="0"/>
+          <a:chExt cx="0" cy="0"/>
+        </a:xfrm>
+      </p:grpSpPr>
+      <p:sp>
+        <p:nvSpPr>
+          <p:cNvPr id="2" name="Slide Image Placeholder 1">
+            <a:extLst>
+              <a:ext uri="{FF2B5EF4-FFF2-40B4-BE49-F238E27FC236}">
+                <a16:creationId xmlns:a16="http://schemas.microsoft.com/office/drawing/2014/main" id="{24E2D221-F4FB-CA2A-F2E1-2455C7980002}"/>
+              </a:ext>
+            </a:extLst>
+          </p:cNvPr>
+          <p:cNvSpPr>
+            <a:spLocks noGrp="1" noRot="1" noChangeAspect="1"/>
+          </p:cNvSpPr>
+          <p:nvPr>
+            <p:ph type="sldImg"/>
+          </p:nvPr>
+        </p:nvSpPr>
+        <p:spPr/>
+      </p:sp>
+      <p:sp>
+        <p:nvSpPr>
+          <p:cNvPr id="3" name="Notes Placeholder 2">
+            <a:extLst>
+              <a:ext uri="{FF2B5EF4-FFF2-40B4-BE49-F238E27FC236}">
+                <a16:creationId xmlns:a16="http://schemas.microsoft.com/office/drawing/2014/main" id="{529FAA65-70F9-268D-C3AD-5C9078EBA48C}"/>
+              </a:ext>
+            </a:extLst>
+          </p:cNvPr>
+          <p:cNvSpPr>
+            <a:spLocks noGrp="1"/>
+          </p:cNvSpPr>
+          <p:nvPr>
+            <p:ph type="body" idx="1"/>
+          </p:nvPr>
+        </p:nvSpPr>
+        <p:spPr/>
+        <p:txBody>
+          <a:bodyPr/>
+          <a:lstStyle/>
+          <a:p>
+            <a:endParaRPr lang="en-US" dirty="0"/>
+          </a:p>
+        </p:txBody>
+      </p:sp>
+      <p:sp>
+        <p:nvSpPr>
+          <p:cNvPr id="4" name="Slide Number Placeholder 3">
+            <a:extLst>
+              <a:ext uri="{FF2B5EF4-FFF2-40B4-BE49-F238E27FC236}">
+                <a16:creationId xmlns:a16="http://schemas.microsoft.com/office/drawing/2014/main" id="{98374B50-2A3F-BC70-D725-7F5B3EF2D298}"/>
+              </a:ext>
+            </a:extLst>
+          </p:cNvPr>
+          <p:cNvSpPr>
+            <a:spLocks noGrp="1"/>
+          </p:cNvSpPr>
+          <p:nvPr>
+            <p:ph type="sldNum" sz="quarter" idx="5"/>
+          </p:nvPr>
+        </p:nvSpPr>
+        <p:spPr/>
+        <p:txBody>
+          <a:bodyPr/>
+          <a:lstStyle/>
+          <a:p>
+            <a:fld id="{03BE7BC1-9F45-5A4F-89A2-62472E8D9650}" type="slidenum">
+              <a:rPr lang="en-US" smtClean="0"/>
+              <a:t>15</a:t>
+            </a:fld>
+            <a:endParaRPr lang="en-US"/>
+          </a:p>
+        </p:txBody>
+      </p:sp>
+    </p:spTree>
+    <p:extLst>
+      <p:ext uri="{BB962C8B-B14F-4D97-AF65-F5344CB8AC3E}">
+        <p14:creationId xmlns:p14="http://schemas.microsoft.com/office/powerpoint/2010/main" val="3241265943"/>
+      </p:ext>
+    </p:extLst>
+  </p:cSld>
+  <p:clrMapOvr>
+    <a:masterClrMapping/>
+  </p:clrMapOvr>
+</p:notes>
+</file>
+
+<file path=ppt/notesSlides/notesSlide15.xml><?xml version="1.0" encoding="utf-8"?>
+<p:notes xmlns:a="http://schemas.openxmlformats.org/drawingml/2006/main" xmlns:r="http://schemas.openxmlformats.org/officeDocument/2006/relationships" xmlns:p="http://schemas.openxmlformats.org/presentationml/2006/main">
+  <p:cSld>
+    <p:spTree>
+      <p:nvGrpSpPr>
+        <p:cNvPr id="1" name=""/>
+        <p:cNvGrpSpPr/>
+        <p:nvPr/>
+      </p:nvGrpSpPr>
+      <p:grpSpPr>
+        <a:xfrm>
+          <a:off x="0" y="0"/>
+          <a:ext cx="0" cy="0"/>
+          <a:chOff x="0" y="0"/>
+          <a:chExt cx="0" cy="0"/>
+        </a:xfrm>
+      </p:grpSpPr>
+      <p:sp>
+        <p:nvSpPr>
+          <p:cNvPr id="2" name="Slide Image Placeholder 1"/>
+          <p:cNvSpPr>
+            <a:spLocks noGrp="1" noRot="1" noChangeAspect="1"/>
+          </p:cNvSpPr>
+          <p:nvPr>
+            <p:ph type="sldImg"/>
+          </p:nvPr>
+        </p:nvSpPr>
+        <p:spPr/>
+      </p:sp>
+      <p:sp>
+        <p:nvSpPr>
+          <p:cNvPr id="3" name="Notes Placeholder 2"/>
+          <p:cNvSpPr>
+            <a:spLocks noGrp="1"/>
+          </p:cNvSpPr>
+          <p:nvPr>
+            <p:ph type="body" idx="1"/>
+          </p:nvPr>
+        </p:nvSpPr>
+        <p:spPr/>
+        <p:txBody>
+          <a:bodyPr/>
+          <a:lstStyle/>
+          <a:p>
+            <a:r>
+              <a:rPr lang="en-US" dirty="0"/>
+              <a:t>Doubling of posting cost = 16.4% increase in zaps</a:t>
+            </a:r>
+          </a:p>
+        </p:txBody>
+      </p:sp>
+      <p:sp>
+        <p:nvSpPr>
+          <p:cNvPr id="4" name="Slide Number Placeholder 3"/>
+          <p:cNvSpPr>
+            <a:spLocks noGrp="1"/>
+          </p:cNvSpPr>
+          <p:nvPr>
+            <p:ph type="sldNum" sz="quarter" idx="5"/>
+          </p:nvPr>
+        </p:nvSpPr>
+        <p:spPr/>
+        <p:txBody>
+          <a:bodyPr/>
+          <a:lstStyle/>
+          <a:p>
+            <a:fld id="{03BE7BC1-9F45-5A4F-89A2-62472E8D9650}" type="slidenum">
+              <a:rPr lang="en-US" smtClean="0"/>
+              <a:t>17</a:t>
+            </a:fld>
+            <a:endParaRPr lang="en-US"/>
+          </a:p>
+        </p:txBody>
+      </p:sp>
+    </p:spTree>
+    <p:extLst>
+      <p:ext uri="{BB962C8B-B14F-4D97-AF65-F5344CB8AC3E}">
+        <p14:creationId xmlns:p14="http://schemas.microsoft.com/office/powerpoint/2010/main" val="599893772"/>
+      </p:ext>
+    </p:extLst>
+  </p:cSld>
+  <p:clrMapOvr>
+    <a:masterClrMapping/>
+  </p:clrMapOvr>
+</p:notes>
+</file>
+
+<file path=ppt/notesSlides/notesSlide16.xml><?xml version="1.0" encoding="utf-8"?>
+<p:notes xmlns:a="http://schemas.openxmlformats.org/drawingml/2006/main" xmlns:r="http://schemas.openxmlformats.org/officeDocument/2006/relationships" xmlns:p="http://schemas.openxmlformats.org/presentationml/2006/main">
+  <p:cSld>
+    <p:spTree>
+      <p:nvGrpSpPr>
+        <p:cNvPr id="1" name=""/>
+        <p:cNvGrpSpPr/>
+        <p:nvPr/>
+      </p:nvGrpSpPr>
+      <p:grpSpPr>
+        <a:xfrm>
+          <a:off x="0" y="0"/>
+          <a:ext cx="0" cy="0"/>
+          <a:chOff x="0" y="0"/>
+          <a:chExt cx="0" cy="0"/>
+        </a:xfrm>
+      </p:grpSpPr>
+      <p:sp>
+        <p:nvSpPr>
+          <p:cNvPr id="2" name="Slide Image Placeholder 1"/>
+          <p:cNvSpPr>
+            <a:spLocks noGrp="1" noRot="1" noChangeAspect="1"/>
+          </p:cNvSpPr>
+          <p:nvPr>
+            <p:ph type="sldImg"/>
+          </p:nvPr>
+        </p:nvSpPr>
+        <p:spPr/>
+      </p:sp>
+      <p:sp>
+        <p:nvSpPr>
+          <p:cNvPr id="3" name="Notes Placeholder 2"/>
+          <p:cNvSpPr>
+            <a:spLocks noGrp="1"/>
+          </p:cNvSpPr>
+          <p:nvPr>
+            <p:ph type="body" idx="1"/>
+          </p:nvPr>
+        </p:nvSpPr>
+        <p:spPr/>
+        <p:txBody>
+          <a:bodyPr/>
+          <a:lstStyle/>
+          <a:p>
+            <a:r>
+              <a:rPr lang="en-US" dirty="0"/>
+              <a:t>Doubling of posting cost = 3 percent increase in replies received</a:t>
+            </a:r>
+          </a:p>
+        </p:txBody>
+      </p:sp>
+      <p:sp>
+        <p:nvSpPr>
+          <p:cNvPr id="4" name="Slide Number Placeholder 3"/>
+          <p:cNvSpPr>
+            <a:spLocks noGrp="1"/>
+          </p:cNvSpPr>
+          <p:nvPr>
+            <p:ph type="sldNum" sz="quarter" idx="5"/>
+          </p:nvPr>
+        </p:nvSpPr>
+        <p:spPr/>
+        <p:txBody>
+          <a:bodyPr/>
+          <a:lstStyle/>
+          <a:p>
+            <a:fld id="{03BE7BC1-9F45-5A4F-89A2-62472E8D9650}" type="slidenum">
+              <a:rPr lang="en-US" smtClean="0"/>
+              <a:t>18</a:t>
+            </a:fld>
+            <a:endParaRPr lang="en-US"/>
+          </a:p>
+        </p:txBody>
+      </p:sp>
+    </p:spTree>
+    <p:extLst>
+      <p:ext uri="{BB962C8B-B14F-4D97-AF65-F5344CB8AC3E}">
+        <p14:creationId xmlns:p14="http://schemas.microsoft.com/office/powerpoint/2010/main" val="3956690548"/>
+      </p:ext>
+    </p:extLst>
+  </p:cSld>
+  <p:clrMapOvr>
+    <a:masterClrMapping/>
+  </p:clrMapOvr>
+</p:notes>
+</file>
+
+<file path=ppt/notesSlides/notesSlide17.xml><?xml version="1.0" encoding="utf-8"?>
+<p:notes xmlns:a="http://schemas.openxmlformats.org/drawingml/2006/main" xmlns:r="http://schemas.openxmlformats.org/officeDocument/2006/relationships" xmlns:p="http://schemas.openxmlformats.org/presentationml/2006/main">
+  <p:cSld>
+    <p:spTree>
+      <p:nvGrpSpPr>
+        <p:cNvPr id="1" name="">
+          <a:extLst>
+            <a:ext uri="{FF2B5EF4-FFF2-40B4-BE49-F238E27FC236}">
+              <a16:creationId xmlns:a16="http://schemas.microsoft.com/office/drawing/2014/main" id="{1284EF5E-400D-6903-57CE-DE6799D2399D}"/>
+            </a:ext>
+          </a:extLst>
+        </p:cNvPr>
+        <p:cNvGrpSpPr/>
+        <p:nvPr/>
+      </p:nvGrpSpPr>
+      <p:grpSpPr>
+        <a:xfrm>
+          <a:off x="0" y="0"/>
+          <a:ext cx="0" cy="0"/>
+          <a:chOff x="0" y="0"/>
+          <a:chExt cx="0" cy="0"/>
+        </a:xfrm>
+      </p:grpSpPr>
+      <p:sp>
+        <p:nvSpPr>
+          <p:cNvPr id="2" name="Slide Image Placeholder 1">
+            <a:extLst>
+              <a:ext uri="{FF2B5EF4-FFF2-40B4-BE49-F238E27FC236}">
+                <a16:creationId xmlns:a16="http://schemas.microsoft.com/office/drawing/2014/main" id="{E82E77E5-D4FB-00C2-13CC-75C9ED32D6C8}"/>
+              </a:ext>
+            </a:extLst>
+          </p:cNvPr>
+          <p:cNvSpPr>
+            <a:spLocks noGrp="1" noRot="1" noChangeAspect="1"/>
+          </p:cNvSpPr>
+          <p:nvPr>
+            <p:ph type="sldImg"/>
+          </p:nvPr>
+        </p:nvSpPr>
+        <p:spPr/>
+      </p:sp>
+      <p:sp>
+        <p:nvSpPr>
+          <p:cNvPr id="3" name="Notes Placeholder 2">
+            <a:extLst>
+              <a:ext uri="{FF2B5EF4-FFF2-40B4-BE49-F238E27FC236}">
+                <a16:creationId xmlns:a16="http://schemas.microsoft.com/office/drawing/2014/main" id="{32078DD2-E890-4696-01A4-2B43198E9C94}"/>
+              </a:ext>
+            </a:extLst>
+          </p:cNvPr>
+          <p:cNvSpPr>
+            <a:spLocks noGrp="1"/>
+          </p:cNvSpPr>
+          <p:nvPr>
+            <p:ph type="body" idx="1"/>
+          </p:nvPr>
+        </p:nvSpPr>
+        <p:spPr/>
+        <p:txBody>
+          <a:bodyPr/>
+          <a:lstStyle/>
+          <a:p>
+            <a:endParaRPr lang="en-US" dirty="0"/>
+          </a:p>
+        </p:txBody>
+      </p:sp>
+      <p:sp>
+        <p:nvSpPr>
+          <p:cNvPr id="4" name="Slide Number Placeholder 3">
+            <a:extLst>
+              <a:ext uri="{FF2B5EF4-FFF2-40B4-BE49-F238E27FC236}">
+                <a16:creationId xmlns:a16="http://schemas.microsoft.com/office/drawing/2014/main" id="{2EBC5A54-FB66-69B7-B838-F9B295014B2D}"/>
+              </a:ext>
+            </a:extLst>
+          </p:cNvPr>
+          <p:cNvSpPr>
+            <a:spLocks noGrp="1"/>
+          </p:cNvSpPr>
+          <p:nvPr>
+            <p:ph type="sldNum" sz="quarter" idx="5"/>
+          </p:nvPr>
+        </p:nvSpPr>
+        <p:spPr/>
+        <p:txBody>
+          <a:bodyPr/>
+          <a:lstStyle/>
+          <a:p>
+            <a:fld id="{03BE7BC1-9F45-5A4F-89A2-62472E8D9650}" type="slidenum">
+              <a:rPr lang="en-US" smtClean="0"/>
+              <a:t>19</a:t>
+            </a:fld>
+            <a:endParaRPr lang="en-US"/>
+          </a:p>
+        </p:txBody>
+      </p:sp>
+    </p:spTree>
+    <p:extLst>
+      <p:ext uri="{BB962C8B-B14F-4D97-AF65-F5344CB8AC3E}">
+        <p14:creationId xmlns:p14="http://schemas.microsoft.com/office/powerpoint/2010/main" val="401224117"/>
+      </p:ext>
+    </p:extLst>
+  </p:cSld>
+  <p:clrMapOvr>
+    <a:masterClrMapping/>
+  </p:clrMapOvr>
+</p:notes>
+</file>
+
+<file path=ppt/notesSlides/notesSlide18.xml><?xml version="1.0" encoding="utf-8"?>
+<p:notes xmlns:a="http://schemas.openxmlformats.org/drawingml/2006/main" xmlns:r="http://schemas.openxmlformats.org/officeDocument/2006/relationships" xmlns:p="http://schemas.openxmlformats.org/presentationml/2006/main">
+  <p:cSld>
+    <p:spTree>
+      <p:nvGrpSpPr>
+        <p:cNvPr id="1" name="">
+          <a:extLst>
+            <a:ext uri="{FF2B5EF4-FFF2-40B4-BE49-F238E27FC236}">
+              <a16:creationId xmlns:a16="http://schemas.microsoft.com/office/drawing/2014/main" id="{12896C99-246A-FA0D-E59A-55BE76B381E6}"/>
+            </a:ext>
+          </a:extLst>
+        </p:cNvPr>
+        <p:cNvGrpSpPr/>
+        <p:nvPr/>
+      </p:nvGrpSpPr>
+      <p:grpSpPr>
+        <a:xfrm>
+          <a:off x="0" y="0"/>
+          <a:ext cx="0" cy="0"/>
+          <a:chOff x="0" y="0"/>
+          <a:chExt cx="0" cy="0"/>
+        </a:xfrm>
+      </p:grpSpPr>
+      <p:sp>
+        <p:nvSpPr>
+          <p:cNvPr id="2" name="Slide Image Placeholder 1">
+            <a:extLst>
+              <a:ext uri="{FF2B5EF4-FFF2-40B4-BE49-F238E27FC236}">
+                <a16:creationId xmlns:a16="http://schemas.microsoft.com/office/drawing/2014/main" id="{11D95338-D8DF-A158-5013-24411866274F}"/>
+              </a:ext>
+            </a:extLst>
+          </p:cNvPr>
+          <p:cNvSpPr>
+            <a:spLocks noGrp="1" noRot="1" noChangeAspect="1"/>
+          </p:cNvSpPr>
+          <p:nvPr>
+            <p:ph type="sldImg"/>
+          </p:nvPr>
+        </p:nvSpPr>
+        <p:spPr/>
+      </p:sp>
+      <p:sp>
+        <p:nvSpPr>
+          <p:cNvPr id="3" name="Notes Placeholder 2">
+            <a:extLst>
+              <a:ext uri="{FF2B5EF4-FFF2-40B4-BE49-F238E27FC236}">
+                <a16:creationId xmlns:a16="http://schemas.microsoft.com/office/drawing/2014/main" id="{584B21A7-4332-A053-C26C-EE5B736F0EDD}"/>
+              </a:ext>
+            </a:extLst>
+          </p:cNvPr>
+          <p:cNvSpPr>
+            <a:spLocks noGrp="1"/>
+          </p:cNvSpPr>
+          <p:nvPr>
+            <p:ph type="body" idx="1"/>
+          </p:nvPr>
+        </p:nvSpPr>
+        <p:spPr/>
+        <p:txBody>
+          <a:bodyPr/>
+          <a:lstStyle/>
+          <a:p>
+            <a:endParaRPr lang="en-US" dirty="0"/>
+          </a:p>
+        </p:txBody>
+      </p:sp>
+      <p:sp>
+        <p:nvSpPr>
+          <p:cNvPr id="4" name="Slide Number Placeholder 3">
+            <a:extLst>
+              <a:ext uri="{FF2B5EF4-FFF2-40B4-BE49-F238E27FC236}">
+                <a16:creationId xmlns:a16="http://schemas.microsoft.com/office/drawing/2014/main" id="{81829E00-C15A-A71C-0E7F-9F1E8474962F}"/>
+              </a:ext>
+            </a:extLst>
+          </p:cNvPr>
+          <p:cNvSpPr>
+            <a:spLocks noGrp="1"/>
+          </p:cNvSpPr>
+          <p:nvPr>
+            <p:ph type="sldNum" sz="quarter" idx="5"/>
+          </p:nvPr>
+        </p:nvSpPr>
+        <p:spPr/>
+        <p:txBody>
+          <a:bodyPr/>
+          <a:lstStyle/>
+          <a:p>
+            <a:fld id="{03BE7BC1-9F45-5A4F-89A2-62472E8D9650}" type="slidenum">
+              <a:rPr lang="en-US" smtClean="0"/>
+              <a:t>20</a:t>
+            </a:fld>
+            <a:endParaRPr lang="en-US"/>
+          </a:p>
+        </p:txBody>
+      </p:sp>
+    </p:spTree>
+    <p:extLst>
+      <p:ext uri="{BB962C8B-B14F-4D97-AF65-F5344CB8AC3E}">
+        <p14:creationId xmlns:p14="http://schemas.microsoft.com/office/powerpoint/2010/main" val="2480370559"/>
+      </p:ext>
+    </p:extLst>
+  </p:cSld>
+  <p:clrMapOvr>
+    <a:masterClrMapping/>
+  </p:clrMapOvr>
+</p:notes>
+</file>
+
+<file path=ppt/notesSlides/notesSlide19.xml><?xml version="1.0" encoding="utf-8"?>
+<p:notes xmlns:a="http://schemas.openxmlformats.org/drawingml/2006/main" xmlns:r="http://schemas.openxmlformats.org/officeDocument/2006/relationships" xmlns:p="http://schemas.openxmlformats.org/presentationml/2006/main">
+  <p:cSld>
+    <p:spTree>
+      <p:nvGrpSpPr>
+        <p:cNvPr id="1" name=""/>
+        <p:cNvGrpSpPr/>
+        <p:nvPr/>
+      </p:nvGrpSpPr>
+      <p:grpSpPr>
+        <a:xfrm>
+          <a:off x="0" y="0"/>
+          <a:ext cx="0" cy="0"/>
+          <a:chOff x="0" y="0"/>
+          <a:chExt cx="0" cy="0"/>
+        </a:xfrm>
+      </p:grpSpPr>
+      <p:sp>
+        <p:nvSpPr>
+          <p:cNvPr id="2" name="Slide Image Placeholder 1"/>
+          <p:cNvSpPr>
+            <a:spLocks noGrp="1" noRot="1" noChangeAspect="1"/>
+          </p:cNvSpPr>
+          <p:nvPr>
+            <p:ph type="sldImg"/>
+          </p:nvPr>
+        </p:nvSpPr>
+        <p:spPr/>
+      </p:sp>
+      <p:sp>
+        <p:nvSpPr>
+          <p:cNvPr id="3" name="Notes Placeholder 2"/>
+          <p:cNvSpPr>
+            <a:spLocks noGrp="1"/>
+          </p:cNvSpPr>
+          <p:nvPr>
+            <p:ph type="body" idx="1"/>
+          </p:nvPr>
+        </p:nvSpPr>
+        <p:spPr/>
+        <p:txBody>
+          <a:bodyPr/>
+          <a:lstStyle/>
+          <a:p>
+            <a:r>
+              <a:rPr lang="en-US" dirty="0"/>
+              <a:t>Doubling post cost = 16.8 percent fewer posts</a:t>
+            </a:r>
+          </a:p>
+        </p:txBody>
+      </p:sp>
+      <p:sp>
+        <p:nvSpPr>
+          <p:cNvPr id="4" name="Slide Number Placeholder 3"/>
+          <p:cNvSpPr>
+            <a:spLocks noGrp="1"/>
+          </p:cNvSpPr>
+          <p:nvPr>
+            <p:ph type="sldNum" sz="quarter" idx="5"/>
+          </p:nvPr>
+        </p:nvSpPr>
+        <p:spPr/>
+        <p:txBody>
+          <a:bodyPr/>
+          <a:lstStyle/>
+          <a:p>
+            <a:fld id="{03BE7BC1-9F45-5A4F-89A2-62472E8D9650}" type="slidenum">
+              <a:rPr lang="en-US" smtClean="0"/>
+              <a:t>21</a:t>
+            </a:fld>
+            <a:endParaRPr lang="en-US"/>
+          </a:p>
+        </p:txBody>
+      </p:sp>
+    </p:spTree>
+    <p:extLst>
+      <p:ext uri="{BB962C8B-B14F-4D97-AF65-F5344CB8AC3E}">
+        <p14:creationId xmlns:p14="http://schemas.microsoft.com/office/powerpoint/2010/main" val="4198848076"/>
+      </p:ext>
+    </p:extLst>
+  </p:cSld>
+  <p:clrMapOvr>
+    <a:masterClrMapping/>
+  </p:clrMapOvr>
+</p:notes>
+</file>
+
 <file path=ppt/notesSlides/notesSlide2.xml><?xml version="1.0" encoding="utf-8"?>
 <p:notes xmlns:a="http://schemas.openxmlformats.org/drawingml/2006/main" xmlns:r="http://schemas.openxmlformats.org/officeDocument/2006/relationships" xmlns:p="http://schemas.openxmlformats.org/presentationml/2006/main">
   <p:cSld>
@@ -1009,6 +1722,905 @@
     <p:extLst>
       <p:ext uri="{BB962C8B-B14F-4D97-AF65-F5344CB8AC3E}">
         <p14:creationId xmlns:p14="http://schemas.microsoft.com/office/powerpoint/2010/main" val="4164107012"/>
+      </p:ext>
+    </p:extLst>
+  </p:cSld>
+  <p:clrMapOvr>
+    <a:masterClrMapping/>
+  </p:clrMapOvr>
+</p:notes>
+</file>
+
+<file path=ppt/notesSlides/notesSlide20.xml><?xml version="1.0" encoding="utf-8"?>
+<p:notes xmlns:a="http://schemas.openxmlformats.org/drawingml/2006/main" xmlns:r="http://schemas.openxmlformats.org/officeDocument/2006/relationships" xmlns:p="http://schemas.openxmlformats.org/presentationml/2006/main">
+  <p:cSld>
+    <p:spTree>
+      <p:nvGrpSpPr>
+        <p:cNvPr id="1" name="">
+          <a:extLst>
+            <a:ext uri="{FF2B5EF4-FFF2-40B4-BE49-F238E27FC236}">
+              <a16:creationId xmlns:a16="http://schemas.microsoft.com/office/drawing/2014/main" id="{8F6EBF61-D520-36A7-3F51-82BA8D56DB4D}"/>
+            </a:ext>
+          </a:extLst>
+        </p:cNvPr>
+        <p:cNvGrpSpPr/>
+        <p:nvPr/>
+      </p:nvGrpSpPr>
+      <p:grpSpPr>
+        <a:xfrm>
+          <a:off x="0" y="0"/>
+          <a:ext cx="0" cy="0"/>
+          <a:chOff x="0" y="0"/>
+          <a:chExt cx="0" cy="0"/>
+        </a:xfrm>
+      </p:grpSpPr>
+      <p:sp>
+        <p:nvSpPr>
+          <p:cNvPr id="2" name="Slide Image Placeholder 1">
+            <a:extLst>
+              <a:ext uri="{FF2B5EF4-FFF2-40B4-BE49-F238E27FC236}">
+                <a16:creationId xmlns:a16="http://schemas.microsoft.com/office/drawing/2014/main" id="{7F288C7D-760D-2A31-4D69-C98F9703CF30}"/>
+              </a:ext>
+            </a:extLst>
+          </p:cNvPr>
+          <p:cNvSpPr>
+            <a:spLocks noGrp="1" noRot="1" noChangeAspect="1"/>
+          </p:cNvSpPr>
+          <p:nvPr>
+            <p:ph type="sldImg"/>
+          </p:nvPr>
+        </p:nvSpPr>
+        <p:spPr/>
+      </p:sp>
+      <p:sp>
+        <p:nvSpPr>
+          <p:cNvPr id="3" name="Notes Placeholder 2">
+            <a:extLst>
+              <a:ext uri="{FF2B5EF4-FFF2-40B4-BE49-F238E27FC236}">
+                <a16:creationId xmlns:a16="http://schemas.microsoft.com/office/drawing/2014/main" id="{C9295299-A892-DF04-727F-A51E699A4925}"/>
+              </a:ext>
+            </a:extLst>
+          </p:cNvPr>
+          <p:cNvSpPr>
+            <a:spLocks noGrp="1"/>
+          </p:cNvSpPr>
+          <p:nvPr>
+            <p:ph type="body" idx="1"/>
+          </p:nvPr>
+        </p:nvSpPr>
+        <p:spPr/>
+        <p:txBody>
+          <a:bodyPr/>
+          <a:lstStyle/>
+          <a:p>
+            <a:endParaRPr lang="en-US" dirty="0"/>
+          </a:p>
+        </p:txBody>
+      </p:sp>
+      <p:sp>
+        <p:nvSpPr>
+          <p:cNvPr id="4" name="Slide Number Placeholder 3">
+            <a:extLst>
+              <a:ext uri="{FF2B5EF4-FFF2-40B4-BE49-F238E27FC236}">
+                <a16:creationId xmlns:a16="http://schemas.microsoft.com/office/drawing/2014/main" id="{FABDE69D-C510-420A-07D7-8A30D1785D7C}"/>
+              </a:ext>
+            </a:extLst>
+          </p:cNvPr>
+          <p:cNvSpPr>
+            <a:spLocks noGrp="1"/>
+          </p:cNvSpPr>
+          <p:nvPr>
+            <p:ph type="sldNum" sz="quarter" idx="5"/>
+          </p:nvPr>
+        </p:nvSpPr>
+        <p:spPr/>
+        <p:txBody>
+          <a:bodyPr/>
+          <a:lstStyle/>
+          <a:p>
+            <a:fld id="{03BE7BC1-9F45-5A4F-89A2-62472E8D9650}" type="slidenum">
+              <a:rPr lang="en-US" smtClean="0"/>
+              <a:t>22</a:t>
+            </a:fld>
+            <a:endParaRPr lang="en-US"/>
+          </a:p>
+        </p:txBody>
+      </p:sp>
+    </p:spTree>
+    <p:extLst>
+      <p:ext uri="{BB962C8B-B14F-4D97-AF65-F5344CB8AC3E}">
+        <p14:creationId xmlns:p14="http://schemas.microsoft.com/office/powerpoint/2010/main" val="4005192361"/>
+      </p:ext>
+    </p:extLst>
+  </p:cSld>
+  <p:clrMapOvr>
+    <a:masterClrMapping/>
+  </p:clrMapOvr>
+</p:notes>
+</file>
+
+<file path=ppt/notesSlides/notesSlide21.xml><?xml version="1.0" encoding="utf-8"?>
+<p:notes xmlns:a="http://schemas.openxmlformats.org/drawingml/2006/main" xmlns:r="http://schemas.openxmlformats.org/officeDocument/2006/relationships" xmlns:p="http://schemas.openxmlformats.org/presentationml/2006/main">
+  <p:cSld>
+    <p:spTree>
+      <p:nvGrpSpPr>
+        <p:cNvPr id="1" name="">
+          <a:extLst>
+            <a:ext uri="{FF2B5EF4-FFF2-40B4-BE49-F238E27FC236}">
+              <a16:creationId xmlns:a16="http://schemas.microsoft.com/office/drawing/2014/main" id="{DE921359-7E6B-A629-16FC-B5C8534C0C7E}"/>
+            </a:ext>
+          </a:extLst>
+        </p:cNvPr>
+        <p:cNvGrpSpPr/>
+        <p:nvPr/>
+      </p:nvGrpSpPr>
+      <p:grpSpPr>
+        <a:xfrm>
+          <a:off x="0" y="0"/>
+          <a:ext cx="0" cy="0"/>
+          <a:chOff x="0" y="0"/>
+          <a:chExt cx="0" cy="0"/>
+        </a:xfrm>
+      </p:grpSpPr>
+      <p:sp>
+        <p:nvSpPr>
+          <p:cNvPr id="2" name="Slide Image Placeholder 1">
+            <a:extLst>
+              <a:ext uri="{FF2B5EF4-FFF2-40B4-BE49-F238E27FC236}">
+                <a16:creationId xmlns:a16="http://schemas.microsoft.com/office/drawing/2014/main" id="{A6C8847C-500B-6101-CF38-FF7A593AF8DF}"/>
+              </a:ext>
+            </a:extLst>
+          </p:cNvPr>
+          <p:cNvSpPr>
+            <a:spLocks noGrp="1" noRot="1" noChangeAspect="1"/>
+          </p:cNvSpPr>
+          <p:nvPr>
+            <p:ph type="sldImg"/>
+          </p:nvPr>
+        </p:nvSpPr>
+        <p:spPr/>
+      </p:sp>
+      <p:sp>
+        <p:nvSpPr>
+          <p:cNvPr id="3" name="Notes Placeholder 2">
+            <a:extLst>
+              <a:ext uri="{FF2B5EF4-FFF2-40B4-BE49-F238E27FC236}">
+                <a16:creationId xmlns:a16="http://schemas.microsoft.com/office/drawing/2014/main" id="{40E2EF5B-05AE-2E81-77F2-6062456871CA}"/>
+              </a:ext>
+            </a:extLst>
+          </p:cNvPr>
+          <p:cNvSpPr>
+            <a:spLocks noGrp="1"/>
+          </p:cNvSpPr>
+          <p:nvPr>
+            <p:ph type="body" idx="1"/>
+          </p:nvPr>
+        </p:nvSpPr>
+        <p:spPr/>
+        <p:txBody>
+          <a:bodyPr/>
+          <a:lstStyle/>
+          <a:p>
+            <a:endParaRPr lang="en-US" dirty="0"/>
+          </a:p>
+        </p:txBody>
+      </p:sp>
+      <p:sp>
+        <p:nvSpPr>
+          <p:cNvPr id="4" name="Slide Number Placeholder 3">
+            <a:extLst>
+              <a:ext uri="{FF2B5EF4-FFF2-40B4-BE49-F238E27FC236}">
+                <a16:creationId xmlns:a16="http://schemas.microsoft.com/office/drawing/2014/main" id="{9706D0DC-CB41-DAE3-E305-8F8D3236BACA}"/>
+              </a:ext>
+            </a:extLst>
+          </p:cNvPr>
+          <p:cNvSpPr>
+            <a:spLocks noGrp="1"/>
+          </p:cNvSpPr>
+          <p:nvPr>
+            <p:ph type="sldNum" sz="quarter" idx="5"/>
+          </p:nvPr>
+        </p:nvSpPr>
+        <p:spPr/>
+        <p:txBody>
+          <a:bodyPr/>
+          <a:lstStyle/>
+          <a:p>
+            <a:fld id="{03BE7BC1-9F45-5A4F-89A2-62472E8D9650}" type="slidenum">
+              <a:rPr lang="en-US" smtClean="0"/>
+              <a:t>23</a:t>
+            </a:fld>
+            <a:endParaRPr lang="en-US"/>
+          </a:p>
+        </p:txBody>
+      </p:sp>
+    </p:spTree>
+    <p:extLst>
+      <p:ext uri="{BB962C8B-B14F-4D97-AF65-F5344CB8AC3E}">
+        <p14:creationId xmlns:p14="http://schemas.microsoft.com/office/powerpoint/2010/main" val="93720764"/>
+      </p:ext>
+    </p:extLst>
+  </p:cSld>
+  <p:clrMapOvr>
+    <a:masterClrMapping/>
+  </p:clrMapOvr>
+</p:notes>
+</file>
+
+<file path=ppt/notesSlides/notesSlide22.xml><?xml version="1.0" encoding="utf-8"?>
+<p:notes xmlns:a="http://schemas.openxmlformats.org/drawingml/2006/main" xmlns:r="http://schemas.openxmlformats.org/officeDocument/2006/relationships" xmlns:p="http://schemas.openxmlformats.org/presentationml/2006/main">
+  <p:cSld>
+    <p:spTree>
+      <p:nvGrpSpPr>
+        <p:cNvPr id="1" name="">
+          <a:extLst>
+            <a:ext uri="{FF2B5EF4-FFF2-40B4-BE49-F238E27FC236}">
+              <a16:creationId xmlns:a16="http://schemas.microsoft.com/office/drawing/2014/main" id="{48489021-1A79-EC3A-EDF2-9FC31DFBA7E3}"/>
+            </a:ext>
+          </a:extLst>
+        </p:cNvPr>
+        <p:cNvGrpSpPr/>
+        <p:nvPr/>
+      </p:nvGrpSpPr>
+      <p:grpSpPr>
+        <a:xfrm>
+          <a:off x="0" y="0"/>
+          <a:ext cx="0" cy="0"/>
+          <a:chOff x="0" y="0"/>
+          <a:chExt cx="0" cy="0"/>
+        </a:xfrm>
+      </p:grpSpPr>
+      <p:sp>
+        <p:nvSpPr>
+          <p:cNvPr id="2" name="Slide Image Placeholder 1">
+            <a:extLst>
+              <a:ext uri="{FF2B5EF4-FFF2-40B4-BE49-F238E27FC236}">
+                <a16:creationId xmlns:a16="http://schemas.microsoft.com/office/drawing/2014/main" id="{7C799BA4-DAC1-F373-7E8D-3BAD80A6B3AD}"/>
+              </a:ext>
+            </a:extLst>
+          </p:cNvPr>
+          <p:cNvSpPr>
+            <a:spLocks noGrp="1" noRot="1" noChangeAspect="1"/>
+          </p:cNvSpPr>
+          <p:nvPr>
+            <p:ph type="sldImg"/>
+          </p:nvPr>
+        </p:nvSpPr>
+        <p:spPr/>
+      </p:sp>
+      <p:sp>
+        <p:nvSpPr>
+          <p:cNvPr id="3" name="Notes Placeholder 2">
+            <a:extLst>
+              <a:ext uri="{FF2B5EF4-FFF2-40B4-BE49-F238E27FC236}">
+                <a16:creationId xmlns:a16="http://schemas.microsoft.com/office/drawing/2014/main" id="{5B517506-1765-EAB0-98F7-86676BAB6A43}"/>
+              </a:ext>
+            </a:extLst>
+          </p:cNvPr>
+          <p:cNvSpPr>
+            <a:spLocks noGrp="1"/>
+          </p:cNvSpPr>
+          <p:nvPr>
+            <p:ph type="body" idx="1"/>
+          </p:nvPr>
+        </p:nvSpPr>
+        <p:spPr/>
+        <p:txBody>
+          <a:bodyPr/>
+          <a:lstStyle/>
+          <a:p>
+            <a:endParaRPr lang="en-US" dirty="0"/>
+          </a:p>
+        </p:txBody>
+      </p:sp>
+      <p:sp>
+        <p:nvSpPr>
+          <p:cNvPr id="4" name="Slide Number Placeholder 3">
+            <a:extLst>
+              <a:ext uri="{FF2B5EF4-FFF2-40B4-BE49-F238E27FC236}">
+                <a16:creationId xmlns:a16="http://schemas.microsoft.com/office/drawing/2014/main" id="{A9AD1E6E-4672-F006-00F5-BB6670B31A82}"/>
+              </a:ext>
+            </a:extLst>
+          </p:cNvPr>
+          <p:cNvSpPr>
+            <a:spLocks noGrp="1"/>
+          </p:cNvSpPr>
+          <p:nvPr>
+            <p:ph type="sldNum" sz="quarter" idx="5"/>
+          </p:nvPr>
+        </p:nvSpPr>
+        <p:spPr/>
+        <p:txBody>
+          <a:bodyPr/>
+          <a:lstStyle/>
+          <a:p>
+            <a:fld id="{03BE7BC1-9F45-5A4F-89A2-62472E8D9650}" type="slidenum">
+              <a:rPr lang="en-US" smtClean="0"/>
+              <a:t>27</a:t>
+            </a:fld>
+            <a:endParaRPr lang="en-US"/>
+          </a:p>
+        </p:txBody>
+      </p:sp>
+    </p:spTree>
+    <p:extLst>
+      <p:ext uri="{BB962C8B-B14F-4D97-AF65-F5344CB8AC3E}">
+        <p14:creationId xmlns:p14="http://schemas.microsoft.com/office/powerpoint/2010/main" val="700476786"/>
+      </p:ext>
+    </p:extLst>
+  </p:cSld>
+  <p:clrMapOvr>
+    <a:masterClrMapping/>
+  </p:clrMapOvr>
+</p:notes>
+</file>
+
+<file path=ppt/notesSlides/notesSlide23.xml><?xml version="1.0" encoding="utf-8"?>
+<p:notes xmlns:a="http://schemas.openxmlformats.org/drawingml/2006/main" xmlns:r="http://schemas.openxmlformats.org/officeDocument/2006/relationships" xmlns:p="http://schemas.openxmlformats.org/presentationml/2006/main">
+  <p:cSld>
+    <p:spTree>
+      <p:nvGrpSpPr>
+        <p:cNvPr id="1" name="">
+          <a:extLst>
+            <a:ext uri="{FF2B5EF4-FFF2-40B4-BE49-F238E27FC236}">
+              <a16:creationId xmlns:a16="http://schemas.microsoft.com/office/drawing/2014/main" id="{32CCFB54-88DA-842C-74E1-8A43220ADA40}"/>
+            </a:ext>
+          </a:extLst>
+        </p:cNvPr>
+        <p:cNvGrpSpPr/>
+        <p:nvPr/>
+      </p:nvGrpSpPr>
+      <p:grpSpPr>
+        <a:xfrm>
+          <a:off x="0" y="0"/>
+          <a:ext cx="0" cy="0"/>
+          <a:chOff x="0" y="0"/>
+          <a:chExt cx="0" cy="0"/>
+        </a:xfrm>
+      </p:grpSpPr>
+      <p:sp>
+        <p:nvSpPr>
+          <p:cNvPr id="2" name="Slide Image Placeholder 1">
+            <a:extLst>
+              <a:ext uri="{FF2B5EF4-FFF2-40B4-BE49-F238E27FC236}">
+                <a16:creationId xmlns:a16="http://schemas.microsoft.com/office/drawing/2014/main" id="{08F0BBF7-CD3A-CDEF-5816-927B75D5FD8B}"/>
+              </a:ext>
+            </a:extLst>
+          </p:cNvPr>
+          <p:cNvSpPr>
+            <a:spLocks noGrp="1" noRot="1" noChangeAspect="1"/>
+          </p:cNvSpPr>
+          <p:nvPr>
+            <p:ph type="sldImg"/>
+          </p:nvPr>
+        </p:nvSpPr>
+        <p:spPr/>
+      </p:sp>
+      <p:sp>
+        <p:nvSpPr>
+          <p:cNvPr id="3" name="Notes Placeholder 2">
+            <a:extLst>
+              <a:ext uri="{FF2B5EF4-FFF2-40B4-BE49-F238E27FC236}">
+                <a16:creationId xmlns:a16="http://schemas.microsoft.com/office/drawing/2014/main" id="{C5B4C9F2-CF83-237C-A21E-A677146C1D8D}"/>
+              </a:ext>
+            </a:extLst>
+          </p:cNvPr>
+          <p:cNvSpPr>
+            <a:spLocks noGrp="1"/>
+          </p:cNvSpPr>
+          <p:nvPr>
+            <p:ph type="body" idx="1"/>
+          </p:nvPr>
+        </p:nvSpPr>
+        <p:spPr/>
+        <p:txBody>
+          <a:bodyPr/>
+          <a:lstStyle/>
+          <a:p>
+            <a:endParaRPr lang="en-US" dirty="0"/>
+          </a:p>
+        </p:txBody>
+      </p:sp>
+      <p:sp>
+        <p:nvSpPr>
+          <p:cNvPr id="4" name="Slide Number Placeholder 3">
+            <a:extLst>
+              <a:ext uri="{FF2B5EF4-FFF2-40B4-BE49-F238E27FC236}">
+                <a16:creationId xmlns:a16="http://schemas.microsoft.com/office/drawing/2014/main" id="{FC410405-EF3E-7E45-8BA4-CBD4E79D9123}"/>
+              </a:ext>
+            </a:extLst>
+          </p:cNvPr>
+          <p:cNvSpPr>
+            <a:spLocks noGrp="1"/>
+          </p:cNvSpPr>
+          <p:nvPr>
+            <p:ph type="sldNum" sz="quarter" idx="5"/>
+          </p:nvPr>
+        </p:nvSpPr>
+        <p:spPr/>
+        <p:txBody>
+          <a:bodyPr/>
+          <a:lstStyle/>
+          <a:p>
+            <a:fld id="{03BE7BC1-9F45-5A4F-89A2-62472E8D9650}" type="slidenum">
+              <a:rPr lang="en-US" smtClean="0"/>
+              <a:t>28</a:t>
+            </a:fld>
+            <a:endParaRPr lang="en-US"/>
+          </a:p>
+        </p:txBody>
+      </p:sp>
+    </p:spTree>
+    <p:extLst>
+      <p:ext uri="{BB962C8B-B14F-4D97-AF65-F5344CB8AC3E}">
+        <p14:creationId xmlns:p14="http://schemas.microsoft.com/office/powerpoint/2010/main" val="1629913860"/>
+      </p:ext>
+    </p:extLst>
+  </p:cSld>
+  <p:clrMapOvr>
+    <a:masterClrMapping/>
+  </p:clrMapOvr>
+</p:notes>
+</file>
+
+<file path=ppt/notesSlides/notesSlide24.xml><?xml version="1.0" encoding="utf-8"?>
+<p:notes xmlns:a="http://schemas.openxmlformats.org/drawingml/2006/main" xmlns:r="http://schemas.openxmlformats.org/officeDocument/2006/relationships" xmlns:p="http://schemas.openxmlformats.org/presentationml/2006/main">
+  <p:cSld>
+    <p:spTree>
+      <p:nvGrpSpPr>
+        <p:cNvPr id="1" name=""/>
+        <p:cNvGrpSpPr/>
+        <p:nvPr/>
+      </p:nvGrpSpPr>
+      <p:grpSpPr>
+        <a:xfrm>
+          <a:off x="0" y="0"/>
+          <a:ext cx="0" cy="0"/>
+          <a:chOff x="0" y="0"/>
+          <a:chExt cx="0" cy="0"/>
+        </a:xfrm>
+      </p:grpSpPr>
+      <p:sp>
+        <p:nvSpPr>
+          <p:cNvPr id="2" name="Slide Image Placeholder 1"/>
+          <p:cNvSpPr>
+            <a:spLocks noGrp="1" noRot="1" noChangeAspect="1"/>
+          </p:cNvSpPr>
+          <p:nvPr>
+            <p:ph type="sldImg"/>
+          </p:nvPr>
+        </p:nvSpPr>
+        <p:spPr/>
+      </p:sp>
+      <p:sp>
+        <p:nvSpPr>
+          <p:cNvPr id="3" name="Notes Placeholder 2"/>
+          <p:cNvSpPr>
+            <a:spLocks noGrp="1"/>
+          </p:cNvSpPr>
+          <p:nvPr>
+            <p:ph type="body" idx="1"/>
+          </p:nvPr>
+        </p:nvSpPr>
+        <p:spPr/>
+        <p:txBody>
+          <a:bodyPr/>
+          <a:lstStyle/>
+          <a:p>
+            <a:r>
+              <a:rPr lang="en-US" dirty="0"/>
+              <a:t>Two users with the same number of prior high quality posts, same amount of prior zaps, same number of prior posts</a:t>
+            </a:r>
+          </a:p>
+          <a:p>
+            <a:endParaRPr lang="en-US" dirty="0"/>
+          </a:p>
+          <a:p>
+            <a:r>
+              <a:rPr lang="en-US" dirty="0"/>
+              <a:t>User A earned 75% of their prior zaps on high quality posts, user B earned only 25%:</a:t>
+            </a:r>
+          </a:p>
+          <a:p>
+            <a:endParaRPr lang="en-US" dirty="0"/>
+          </a:p>
+          <a:p>
+            <a:pPr marL="171450" indent="-171450">
+              <a:buFontTx/>
+              <a:buChar char="-"/>
+            </a:pPr>
+            <a:r>
+              <a:rPr lang="en-US" dirty="0"/>
+              <a:t>User A is 6.4 pp more likely to subsequently make a high quality post  (significant, since only 23.4% of all posts are high quality)</a:t>
+            </a:r>
+          </a:p>
+          <a:p>
+            <a:pPr marL="171450" indent="-171450">
+              <a:buFontTx/>
+              <a:buChar char="-"/>
+            </a:pPr>
+            <a:endParaRPr lang="en-US" dirty="0"/>
+          </a:p>
+          <a:p>
+            <a:pPr marL="171450" indent="-171450">
+              <a:buFontTx/>
+              <a:buChar char="-"/>
+            </a:pPr>
+            <a:endParaRPr lang="en-US" dirty="0"/>
+          </a:p>
+        </p:txBody>
+      </p:sp>
+      <p:sp>
+        <p:nvSpPr>
+          <p:cNvPr id="4" name="Slide Number Placeholder 3"/>
+          <p:cNvSpPr>
+            <a:spLocks noGrp="1"/>
+          </p:cNvSpPr>
+          <p:nvPr>
+            <p:ph type="sldNum" sz="quarter" idx="5"/>
+          </p:nvPr>
+        </p:nvSpPr>
+        <p:spPr/>
+        <p:txBody>
+          <a:bodyPr/>
+          <a:lstStyle/>
+          <a:p>
+            <a:fld id="{03BE7BC1-9F45-5A4F-89A2-62472E8D9650}" type="slidenum">
+              <a:rPr lang="en-US" smtClean="0"/>
+              <a:t>29</a:t>
+            </a:fld>
+            <a:endParaRPr lang="en-US"/>
+          </a:p>
+        </p:txBody>
+      </p:sp>
+    </p:spTree>
+    <p:extLst>
+      <p:ext uri="{BB962C8B-B14F-4D97-AF65-F5344CB8AC3E}">
+        <p14:creationId xmlns:p14="http://schemas.microsoft.com/office/powerpoint/2010/main" val="2721353418"/>
+      </p:ext>
+    </p:extLst>
+  </p:cSld>
+  <p:clrMapOvr>
+    <a:masterClrMapping/>
+  </p:clrMapOvr>
+</p:notes>
+</file>
+
+<file path=ppt/notesSlides/notesSlide25.xml><?xml version="1.0" encoding="utf-8"?>
+<p:notes xmlns:a="http://schemas.openxmlformats.org/drawingml/2006/main" xmlns:r="http://schemas.openxmlformats.org/officeDocument/2006/relationships" xmlns:p="http://schemas.openxmlformats.org/presentationml/2006/main">
+  <p:cSld>
+    <p:spTree>
+      <p:nvGrpSpPr>
+        <p:cNvPr id="1" name="">
+          <a:extLst>
+            <a:ext uri="{FF2B5EF4-FFF2-40B4-BE49-F238E27FC236}">
+              <a16:creationId xmlns:a16="http://schemas.microsoft.com/office/drawing/2014/main" id="{7CB6F9B7-E98A-E7D4-96D0-3692B03B4E6E}"/>
+            </a:ext>
+          </a:extLst>
+        </p:cNvPr>
+        <p:cNvGrpSpPr/>
+        <p:nvPr/>
+      </p:nvGrpSpPr>
+      <p:grpSpPr>
+        <a:xfrm>
+          <a:off x="0" y="0"/>
+          <a:ext cx="0" cy="0"/>
+          <a:chOff x="0" y="0"/>
+          <a:chExt cx="0" cy="0"/>
+        </a:xfrm>
+      </p:grpSpPr>
+      <p:sp>
+        <p:nvSpPr>
+          <p:cNvPr id="2" name="Slide Image Placeholder 1">
+            <a:extLst>
+              <a:ext uri="{FF2B5EF4-FFF2-40B4-BE49-F238E27FC236}">
+                <a16:creationId xmlns:a16="http://schemas.microsoft.com/office/drawing/2014/main" id="{43C612AE-2CBF-DBDC-DCF7-7CE57540671C}"/>
+              </a:ext>
+            </a:extLst>
+          </p:cNvPr>
+          <p:cNvSpPr>
+            <a:spLocks noGrp="1" noRot="1" noChangeAspect="1"/>
+          </p:cNvSpPr>
+          <p:nvPr>
+            <p:ph type="sldImg"/>
+          </p:nvPr>
+        </p:nvSpPr>
+        <p:spPr/>
+      </p:sp>
+      <p:sp>
+        <p:nvSpPr>
+          <p:cNvPr id="3" name="Notes Placeholder 2">
+            <a:extLst>
+              <a:ext uri="{FF2B5EF4-FFF2-40B4-BE49-F238E27FC236}">
+                <a16:creationId xmlns:a16="http://schemas.microsoft.com/office/drawing/2014/main" id="{E1BCE04E-CB57-29B9-C54F-FD8F8B9AFE1C}"/>
+              </a:ext>
+            </a:extLst>
+          </p:cNvPr>
+          <p:cNvSpPr>
+            <a:spLocks noGrp="1"/>
+          </p:cNvSpPr>
+          <p:nvPr>
+            <p:ph type="body" idx="1"/>
+          </p:nvPr>
+        </p:nvSpPr>
+        <p:spPr/>
+        <p:txBody>
+          <a:bodyPr/>
+          <a:lstStyle/>
+          <a:p>
+            <a:endParaRPr lang="en-US" dirty="0"/>
+          </a:p>
+        </p:txBody>
+      </p:sp>
+      <p:sp>
+        <p:nvSpPr>
+          <p:cNvPr id="4" name="Slide Number Placeholder 3">
+            <a:extLst>
+              <a:ext uri="{FF2B5EF4-FFF2-40B4-BE49-F238E27FC236}">
+                <a16:creationId xmlns:a16="http://schemas.microsoft.com/office/drawing/2014/main" id="{85014091-3921-4B68-8D72-63C593706F8B}"/>
+              </a:ext>
+            </a:extLst>
+          </p:cNvPr>
+          <p:cNvSpPr>
+            <a:spLocks noGrp="1"/>
+          </p:cNvSpPr>
+          <p:nvPr>
+            <p:ph type="sldNum" sz="quarter" idx="5"/>
+          </p:nvPr>
+        </p:nvSpPr>
+        <p:spPr/>
+        <p:txBody>
+          <a:bodyPr/>
+          <a:lstStyle/>
+          <a:p>
+            <a:fld id="{03BE7BC1-9F45-5A4F-89A2-62472E8D9650}" type="slidenum">
+              <a:rPr lang="en-US" smtClean="0"/>
+              <a:t>30</a:t>
+            </a:fld>
+            <a:endParaRPr lang="en-US"/>
+          </a:p>
+        </p:txBody>
+      </p:sp>
+    </p:spTree>
+    <p:extLst>
+      <p:ext uri="{BB962C8B-B14F-4D97-AF65-F5344CB8AC3E}">
+        <p14:creationId xmlns:p14="http://schemas.microsoft.com/office/powerpoint/2010/main" val="3679871525"/>
+      </p:ext>
+    </p:extLst>
+  </p:cSld>
+  <p:clrMapOvr>
+    <a:masterClrMapping/>
+  </p:clrMapOvr>
+</p:notes>
+</file>
+
+<file path=ppt/notesSlides/notesSlide26.xml><?xml version="1.0" encoding="utf-8"?>
+<p:notes xmlns:a="http://schemas.openxmlformats.org/drawingml/2006/main" xmlns:r="http://schemas.openxmlformats.org/officeDocument/2006/relationships" xmlns:p="http://schemas.openxmlformats.org/presentationml/2006/main">
+  <p:cSld>
+    <p:spTree>
+      <p:nvGrpSpPr>
+        <p:cNvPr id="1" name=""/>
+        <p:cNvGrpSpPr/>
+        <p:nvPr/>
+      </p:nvGrpSpPr>
+      <p:grpSpPr>
+        <a:xfrm>
+          <a:off x="0" y="0"/>
+          <a:ext cx="0" cy="0"/>
+          <a:chOff x="0" y="0"/>
+          <a:chExt cx="0" cy="0"/>
+        </a:xfrm>
+      </p:grpSpPr>
+      <p:sp>
+        <p:nvSpPr>
+          <p:cNvPr id="2" name="Slide Image Placeholder 1"/>
+          <p:cNvSpPr>
+            <a:spLocks noGrp="1" noRot="1" noChangeAspect="1"/>
+          </p:cNvSpPr>
+          <p:nvPr>
+            <p:ph type="sldImg"/>
+          </p:nvPr>
+        </p:nvSpPr>
+        <p:spPr/>
+      </p:sp>
+      <p:sp>
+        <p:nvSpPr>
+          <p:cNvPr id="3" name="Notes Placeholder 2"/>
+          <p:cNvSpPr>
+            <a:spLocks noGrp="1"/>
+          </p:cNvSpPr>
+          <p:nvPr>
+            <p:ph type="body" idx="1"/>
+          </p:nvPr>
+        </p:nvSpPr>
+        <p:spPr/>
+        <p:txBody>
+          <a:bodyPr/>
+          <a:lstStyle/>
+          <a:p>
+            <a:r>
+              <a:rPr lang="en-US" dirty="0"/>
+              <a:t>Unprofitable users more likely to become inactive (5.5 pp more likely)</a:t>
+            </a:r>
+          </a:p>
+          <a:p>
+            <a:endParaRPr lang="en-US" dirty="0"/>
+          </a:p>
+          <a:p>
+            <a:r>
+              <a:rPr lang="en-US" dirty="0"/>
+              <a:t>This is in comparison to a baseline probability of 14.1% per week</a:t>
+            </a:r>
+          </a:p>
+          <a:p>
+            <a:endParaRPr lang="en-US" dirty="0"/>
+          </a:p>
+          <a:p>
+            <a:r>
+              <a:rPr lang="en-US" dirty="0"/>
+              <a:t>This effect is amplified when the bitcoin price has recently grown, i.e. when real losses in terms of purchasing power were greater</a:t>
+            </a:r>
+          </a:p>
+          <a:p>
+            <a:endParaRPr lang="en-US" dirty="0"/>
+          </a:p>
+          <a:p>
+            <a:r>
+              <a:rPr lang="en-US" dirty="0"/>
+              <a:t>If </a:t>
+            </a:r>
+            <a:r>
+              <a:rPr lang="en-US" dirty="0" err="1"/>
+              <a:t>btc</a:t>
+            </a:r>
+            <a:r>
+              <a:rPr lang="en-US" dirty="0"/>
+              <a:t> price appreciated by 10% in last 8 weeks, unprofitability effect increases from 5.5pp to 6.1 pp</a:t>
+            </a:r>
+          </a:p>
+          <a:p>
+            <a:endParaRPr lang="en-US" dirty="0"/>
+          </a:p>
+          <a:p>
+            <a:endParaRPr lang="en-US" dirty="0"/>
+          </a:p>
+        </p:txBody>
+      </p:sp>
+      <p:sp>
+        <p:nvSpPr>
+          <p:cNvPr id="4" name="Slide Number Placeholder 3"/>
+          <p:cNvSpPr>
+            <a:spLocks noGrp="1"/>
+          </p:cNvSpPr>
+          <p:nvPr>
+            <p:ph type="sldNum" sz="quarter" idx="5"/>
+          </p:nvPr>
+        </p:nvSpPr>
+        <p:spPr/>
+        <p:txBody>
+          <a:bodyPr/>
+          <a:lstStyle/>
+          <a:p>
+            <a:fld id="{03BE7BC1-9F45-5A4F-89A2-62472E8D9650}" type="slidenum">
+              <a:rPr lang="en-US" smtClean="0"/>
+              <a:t>31</a:t>
+            </a:fld>
+            <a:endParaRPr lang="en-US"/>
+          </a:p>
+        </p:txBody>
+      </p:sp>
+    </p:spTree>
+    <p:extLst>
+      <p:ext uri="{BB962C8B-B14F-4D97-AF65-F5344CB8AC3E}">
+        <p14:creationId xmlns:p14="http://schemas.microsoft.com/office/powerpoint/2010/main" val="3079467281"/>
+      </p:ext>
+    </p:extLst>
+  </p:cSld>
+  <p:clrMapOvr>
+    <a:masterClrMapping/>
+  </p:clrMapOvr>
+</p:notes>
+</file>
+
+<file path=ppt/notesSlides/notesSlide27.xml><?xml version="1.0" encoding="utf-8"?>
+<p:notes xmlns:a="http://schemas.openxmlformats.org/drawingml/2006/main" xmlns:r="http://schemas.openxmlformats.org/officeDocument/2006/relationships" xmlns:p="http://schemas.openxmlformats.org/presentationml/2006/main">
+  <p:cSld>
+    <p:spTree>
+      <p:nvGrpSpPr>
+        <p:cNvPr id="1" name="">
+          <a:extLst>
+            <a:ext uri="{FF2B5EF4-FFF2-40B4-BE49-F238E27FC236}">
+              <a16:creationId xmlns:a16="http://schemas.microsoft.com/office/drawing/2014/main" id="{1B1693C4-FDDF-9517-2293-3AC756ECE456}"/>
+            </a:ext>
+          </a:extLst>
+        </p:cNvPr>
+        <p:cNvGrpSpPr/>
+        <p:nvPr/>
+      </p:nvGrpSpPr>
+      <p:grpSpPr>
+        <a:xfrm>
+          <a:off x="0" y="0"/>
+          <a:ext cx="0" cy="0"/>
+          <a:chOff x="0" y="0"/>
+          <a:chExt cx="0" cy="0"/>
+        </a:xfrm>
+      </p:grpSpPr>
+      <p:sp>
+        <p:nvSpPr>
+          <p:cNvPr id="2" name="Slide Image Placeholder 1">
+            <a:extLst>
+              <a:ext uri="{FF2B5EF4-FFF2-40B4-BE49-F238E27FC236}">
+                <a16:creationId xmlns:a16="http://schemas.microsoft.com/office/drawing/2014/main" id="{4E861104-6ED5-BDDA-2A7E-4EDCA409384E}"/>
+              </a:ext>
+            </a:extLst>
+          </p:cNvPr>
+          <p:cNvSpPr>
+            <a:spLocks noGrp="1" noRot="1" noChangeAspect="1"/>
+          </p:cNvSpPr>
+          <p:nvPr>
+            <p:ph type="sldImg"/>
+          </p:nvPr>
+        </p:nvSpPr>
+        <p:spPr/>
+      </p:sp>
+      <p:sp>
+        <p:nvSpPr>
+          <p:cNvPr id="3" name="Notes Placeholder 2">
+            <a:extLst>
+              <a:ext uri="{FF2B5EF4-FFF2-40B4-BE49-F238E27FC236}">
+                <a16:creationId xmlns:a16="http://schemas.microsoft.com/office/drawing/2014/main" id="{844259F4-583F-8D51-ECB5-D849F4111AAB}"/>
+              </a:ext>
+            </a:extLst>
+          </p:cNvPr>
+          <p:cNvSpPr>
+            <a:spLocks noGrp="1"/>
+          </p:cNvSpPr>
+          <p:nvPr>
+            <p:ph type="body" idx="1"/>
+          </p:nvPr>
+        </p:nvSpPr>
+        <p:spPr/>
+        <p:txBody>
+          <a:bodyPr/>
+          <a:lstStyle/>
+          <a:p>
+            <a:endParaRPr lang="en-US" dirty="0"/>
+          </a:p>
+        </p:txBody>
+      </p:sp>
+      <p:sp>
+        <p:nvSpPr>
+          <p:cNvPr id="4" name="Slide Number Placeholder 3">
+            <a:extLst>
+              <a:ext uri="{FF2B5EF4-FFF2-40B4-BE49-F238E27FC236}">
+                <a16:creationId xmlns:a16="http://schemas.microsoft.com/office/drawing/2014/main" id="{5BB75544-49F2-E3BC-2915-0CD3B2A120E0}"/>
+              </a:ext>
+            </a:extLst>
+          </p:cNvPr>
+          <p:cNvSpPr>
+            <a:spLocks noGrp="1"/>
+          </p:cNvSpPr>
+          <p:nvPr>
+            <p:ph type="sldNum" sz="quarter" idx="5"/>
+          </p:nvPr>
+        </p:nvSpPr>
+        <p:spPr/>
+        <p:txBody>
+          <a:bodyPr/>
+          <a:lstStyle/>
+          <a:p>
+            <a:fld id="{03BE7BC1-9F45-5A4F-89A2-62472E8D9650}" type="slidenum">
+              <a:rPr lang="en-US" smtClean="0"/>
+              <a:t>32</a:t>
+            </a:fld>
+            <a:endParaRPr lang="en-US"/>
+          </a:p>
+        </p:txBody>
+      </p:sp>
+    </p:spTree>
+    <p:extLst>
+      <p:ext uri="{BB962C8B-B14F-4D97-AF65-F5344CB8AC3E}">
+        <p14:creationId xmlns:p14="http://schemas.microsoft.com/office/powerpoint/2010/main" val="1425721341"/>
       </p:ext>
     </p:extLst>
   </p:cSld>
@@ -1941,7 +3553,7 @@
           <a:p>
             <a:fld id="{FE419C3E-E668-754E-8C9F-EA2B1649DE86}" type="datetimeFigureOut">
               <a:rPr lang="en-US" smtClean="0"/>
-              <a:t>2/17/26</a:t>
+              <a:t>2/17/2026</a:t>
             </a:fld>
             <a:endParaRPr lang="en-US"/>
           </a:p>
@@ -2111,7 +3723,7 @@
           <a:p>
             <a:fld id="{FE419C3E-E668-754E-8C9F-EA2B1649DE86}" type="datetimeFigureOut">
               <a:rPr lang="en-US" smtClean="0"/>
-              <a:t>2/17/26</a:t>
+              <a:t>2/17/2026</a:t>
             </a:fld>
             <a:endParaRPr lang="en-US"/>
           </a:p>
@@ -2291,7 +3903,7 @@
           <a:p>
             <a:fld id="{FE419C3E-E668-754E-8C9F-EA2B1649DE86}" type="datetimeFigureOut">
               <a:rPr lang="en-US" smtClean="0"/>
-              <a:t>2/17/26</a:t>
+              <a:t>2/17/2026</a:t>
             </a:fld>
             <a:endParaRPr lang="en-US"/>
           </a:p>
@@ -2461,7 +4073,7 @@
           <a:p>
             <a:fld id="{FE419C3E-E668-754E-8C9F-EA2B1649DE86}" type="datetimeFigureOut">
               <a:rPr lang="en-US" smtClean="0"/>
-              <a:t>2/17/26</a:t>
+              <a:t>2/17/2026</a:t>
             </a:fld>
             <a:endParaRPr lang="en-US"/>
           </a:p>
@@ -2707,7 +4319,7 @@
           <a:p>
             <a:fld id="{FE419C3E-E668-754E-8C9F-EA2B1649DE86}" type="datetimeFigureOut">
               <a:rPr lang="en-US" smtClean="0"/>
-              <a:t>2/17/26</a:t>
+              <a:t>2/17/2026</a:t>
             </a:fld>
             <a:endParaRPr lang="en-US"/>
           </a:p>
@@ -2939,7 +4551,7 @@
           <a:p>
             <a:fld id="{FE419C3E-E668-754E-8C9F-EA2B1649DE86}" type="datetimeFigureOut">
               <a:rPr lang="en-US" smtClean="0"/>
-              <a:t>2/17/26</a:t>
+              <a:t>2/17/2026</a:t>
             </a:fld>
             <a:endParaRPr lang="en-US"/>
           </a:p>
@@ -3306,7 +4918,7 @@
           <a:p>
             <a:fld id="{FE419C3E-E668-754E-8C9F-EA2B1649DE86}" type="datetimeFigureOut">
               <a:rPr lang="en-US" smtClean="0"/>
-              <a:t>2/17/26</a:t>
+              <a:t>2/17/2026</a:t>
             </a:fld>
             <a:endParaRPr lang="en-US"/>
           </a:p>
@@ -3424,7 +5036,7 @@
           <a:p>
             <a:fld id="{FE419C3E-E668-754E-8C9F-EA2B1649DE86}" type="datetimeFigureOut">
               <a:rPr lang="en-US" smtClean="0"/>
-              <a:t>2/17/26</a:t>
+              <a:t>2/17/2026</a:t>
             </a:fld>
             <a:endParaRPr lang="en-US"/>
           </a:p>
@@ -3519,7 +5131,7 @@
           <a:p>
             <a:fld id="{FE419C3E-E668-754E-8C9F-EA2B1649DE86}" type="datetimeFigureOut">
               <a:rPr lang="en-US" smtClean="0"/>
-              <a:t>2/17/26</a:t>
+              <a:t>2/17/2026</a:t>
             </a:fld>
             <a:endParaRPr lang="en-US"/>
           </a:p>
@@ -3796,7 +5408,7 @@
           <a:p>
             <a:fld id="{FE419C3E-E668-754E-8C9F-EA2B1649DE86}" type="datetimeFigureOut">
               <a:rPr lang="en-US" smtClean="0"/>
-              <a:t>2/17/26</a:t>
+              <a:t>2/17/2026</a:t>
             </a:fld>
             <a:endParaRPr lang="en-US"/>
           </a:p>
@@ -4053,7 +5665,7 @@
           <a:p>
             <a:fld id="{FE419C3E-E668-754E-8C9F-EA2B1649DE86}" type="datetimeFigureOut">
               <a:rPr lang="en-US" smtClean="0"/>
-              <a:t>2/17/26</a:t>
+              <a:t>2/17/2026</a:t>
             </a:fld>
             <a:endParaRPr lang="en-US"/>
           </a:p>
@@ -4266,7 +5878,7 @@
           <a:p>
             <a:fld id="{FE419C3E-E668-754E-8C9F-EA2B1649DE86}" type="datetimeFigureOut">
               <a:rPr lang="en-US" smtClean="0"/>
-              <a:t>2/17/26</a:t>
+              <a:t>2/17/2026</a:t>
             </a:fld>
             <a:endParaRPr lang="en-US"/>
           </a:p>
@@ -5374,6 +6986,763 @@
 </p:sld>
 </file>
 
+<file path=ppt/slides/slide14.xml><?xml version="1.0" encoding="utf-8"?>
+<p:sld xmlns:a="http://schemas.openxmlformats.org/drawingml/2006/main" xmlns:r="http://schemas.openxmlformats.org/officeDocument/2006/relationships" xmlns:p="http://schemas.openxmlformats.org/presentationml/2006/main">
+  <p:cSld>
+    <p:spTree>
+      <p:nvGrpSpPr>
+        <p:cNvPr id="1" name="">
+          <a:extLst>
+            <a:ext uri="{FF2B5EF4-FFF2-40B4-BE49-F238E27FC236}">
+              <a16:creationId xmlns:a16="http://schemas.microsoft.com/office/drawing/2014/main" id="{695A0866-8E56-2E61-CE08-73B8B4A315D5}"/>
+            </a:ext>
+          </a:extLst>
+        </p:cNvPr>
+        <p:cNvGrpSpPr/>
+        <p:nvPr/>
+      </p:nvGrpSpPr>
+      <p:grpSpPr>
+        <a:xfrm>
+          <a:off x="0" y="0"/>
+          <a:ext cx="0" cy="0"/>
+          <a:chOff x="0" y="0"/>
+          <a:chExt cx="0" cy="0"/>
+        </a:xfrm>
+      </p:grpSpPr>
+      <p:pic>
+        <p:nvPicPr>
+          <p:cNvPr id="9" name="Picture 8">
+            <a:extLst>
+              <a:ext uri="{FF2B5EF4-FFF2-40B4-BE49-F238E27FC236}">
+                <a16:creationId xmlns:a16="http://schemas.microsoft.com/office/drawing/2014/main" id="{9D409C0E-7098-8496-3560-58952ADCA21B}"/>
+              </a:ext>
+            </a:extLst>
+          </p:cNvPr>
+          <p:cNvPicPr>
+            <a:picLocks noChangeAspect="1"/>
+          </p:cNvPicPr>
+          <p:nvPr/>
+        </p:nvPicPr>
+        <p:blipFill>
+          <a:blip r:embed="rId3"/>
+          <a:stretch>
+            <a:fillRect/>
+          </a:stretch>
+        </p:blipFill>
+        <p:spPr>
+          <a:xfrm>
+            <a:off x="1942681" y="0"/>
+            <a:ext cx="8306637" cy="6858000"/>
+          </a:xfrm>
+          <a:prstGeom prst="rect">
+            <a:avLst/>
+          </a:prstGeom>
+        </p:spPr>
+      </p:pic>
+    </p:spTree>
+    <p:extLst>
+      <p:ext uri="{BB962C8B-B14F-4D97-AF65-F5344CB8AC3E}">
+        <p14:creationId xmlns:p14="http://schemas.microsoft.com/office/powerpoint/2010/main" val="3049508102"/>
+      </p:ext>
+    </p:extLst>
+  </p:cSld>
+  <p:clrMapOvr>
+    <a:masterClrMapping/>
+  </p:clrMapOvr>
+</p:sld>
+</file>
+
+<file path=ppt/slides/slide15.xml><?xml version="1.0" encoding="utf-8"?>
+<p:sld xmlns:a="http://schemas.openxmlformats.org/drawingml/2006/main" xmlns:r="http://schemas.openxmlformats.org/officeDocument/2006/relationships" xmlns:p="http://schemas.openxmlformats.org/presentationml/2006/main">
+  <p:cSld>
+    <p:spTree>
+      <p:nvGrpSpPr>
+        <p:cNvPr id="1" name="">
+          <a:extLst>
+            <a:ext uri="{FF2B5EF4-FFF2-40B4-BE49-F238E27FC236}">
+              <a16:creationId xmlns:a16="http://schemas.microsoft.com/office/drawing/2014/main" id="{AEF93786-C93F-26BF-652A-A7AF58CA77AF}"/>
+            </a:ext>
+          </a:extLst>
+        </p:cNvPr>
+        <p:cNvGrpSpPr/>
+        <p:nvPr/>
+      </p:nvGrpSpPr>
+      <p:grpSpPr>
+        <a:xfrm>
+          <a:off x="0" y="0"/>
+          <a:ext cx="0" cy="0"/>
+          <a:chOff x="0" y="0"/>
+          <a:chExt cx="0" cy="0"/>
+        </a:xfrm>
+      </p:grpSpPr>
+      <p:sp>
+        <p:nvSpPr>
+          <p:cNvPr id="2" name="Title 1">
+            <a:extLst>
+              <a:ext uri="{FF2B5EF4-FFF2-40B4-BE49-F238E27FC236}">
+                <a16:creationId xmlns:a16="http://schemas.microsoft.com/office/drawing/2014/main" id="{872A7654-19BC-107F-CB5B-0B68BB7323BA}"/>
+              </a:ext>
+            </a:extLst>
+          </p:cNvPr>
+          <p:cNvSpPr>
+            <a:spLocks noGrp="1"/>
+          </p:cNvSpPr>
+          <p:nvPr>
+            <p:ph type="title"/>
+          </p:nvPr>
+        </p:nvSpPr>
+        <p:spPr>
+          <a:xfrm>
+            <a:off x="702734" y="164570"/>
+            <a:ext cx="10828866" cy="1325563"/>
+          </a:xfrm>
+        </p:spPr>
+        <p:txBody>
+          <a:bodyPr>
+            <a:normAutofit/>
+          </a:bodyPr>
+          <a:lstStyle/>
+          <a:p>
+            <a:r>
+              <a:rPr lang="en-US" sz="4000" dirty="0"/>
+              <a:t>Pay-to-Post and Content Quality</a:t>
+            </a:r>
+          </a:p>
+        </p:txBody>
+      </p:sp>
+      <mc:AlternateContent xmlns:mc="http://schemas.openxmlformats.org/markup-compatibility/2006">
+        <mc:Choice xmlns:a14="http://schemas.microsoft.com/office/drawing/2010/main" Requires="a14">
+          <p:sp>
+            <p:nvSpPr>
+              <p:cNvPr id="3" name="Content Placeholder 2">
+                <a:extLst>
+                  <a:ext uri="{FF2B5EF4-FFF2-40B4-BE49-F238E27FC236}">
+                    <a16:creationId xmlns:a16="http://schemas.microsoft.com/office/drawing/2014/main" id="{033AFF98-1081-3D5D-0ED4-F30C8BF99347}"/>
+                  </a:ext>
+                </a:extLst>
+              </p:cNvPr>
+              <p:cNvSpPr>
+                <a:spLocks noGrp="1"/>
+              </p:cNvSpPr>
+              <p:nvPr>
+                <p:ph idx="1"/>
+              </p:nvPr>
+            </p:nvSpPr>
+            <p:spPr>
+              <a:xfrm>
+                <a:off x="838200" y="1540933"/>
+                <a:ext cx="10515600" cy="4686830"/>
+              </a:xfrm>
+            </p:spPr>
+            <p:txBody>
+              <a:bodyPr>
+                <a:normAutofit fontScale="92500" lnSpcReduction="20000"/>
+              </a:bodyPr>
+              <a:lstStyle/>
+              <a:p>
+                <a:r>
+                  <a:rPr lang="en-US" dirty="0"/>
+                  <a:t>Hypothesis: Higher posting costs lead to fewer posts but higher quality posts</a:t>
+                </a:r>
+              </a:p>
+              <a:p>
+                <a:endParaRPr lang="en-US" dirty="0"/>
+              </a:p>
+              <a:p>
+                <a:r>
+                  <a:rPr lang="en-US" dirty="0"/>
+                  <a:t>To investigate, we exploit differential changes in territory posting fees</a:t>
+                </a:r>
+              </a:p>
+              <a:p>
+                <a:endParaRPr lang="en-US" dirty="0"/>
+              </a:p>
+              <a:p>
+                <a:r>
+                  <a:rPr lang="en-US" dirty="0"/>
+                  <a:t>We estimate the following diff-in-diff style regression:</a:t>
+                </a:r>
+                <a:br>
+                  <a:rPr lang="en-US" dirty="0"/>
+                </a:br>
+                <a:br>
+                  <a:rPr lang="en-US" dirty="0"/>
+                </a:br>
+                <a14:m>
+                  <m:oMath xmlns:m="http://schemas.openxmlformats.org/officeDocument/2006/math">
+                    <m:func>
+                      <m:funcPr>
+                        <m:ctrlPr>
+                          <a:rPr lang="en-US" b="0" i="1" smtClean="0">
+                            <a:latin typeface="Cambria Math" panose="02040503050406030204" pitchFamily="18" charset="0"/>
+                          </a:rPr>
+                        </m:ctrlPr>
+                      </m:funcPr>
+                      <m:fName>
+                        <m:r>
+                          <m:rPr>
+                            <m:sty m:val="p"/>
+                          </m:rPr>
+                          <a:rPr lang="en-US" b="0" i="0" smtClean="0">
+                            <a:latin typeface="Cambria Math" panose="02040503050406030204" pitchFamily="18" charset="0"/>
+                          </a:rPr>
+                          <m:t>ln</m:t>
+                        </m:r>
+                      </m:fName>
+                      <m:e>
+                        <m:sSub>
+                          <m:sSubPr>
+                            <m:ctrlPr>
+                              <a:rPr lang="en-US" b="0" i="1" smtClean="0">
+                                <a:latin typeface="Cambria Math" panose="02040503050406030204" pitchFamily="18" charset="0"/>
+                              </a:rPr>
+                            </m:ctrlPr>
+                          </m:sSubPr>
+                          <m:e>
+                            <m:r>
+                              <m:rPr>
+                                <m:sty m:val="p"/>
+                              </m:rPr>
+                              <a:rPr lang="en-US" b="0" i="0" smtClean="0">
+                                <a:latin typeface="Cambria Math" panose="02040503050406030204" pitchFamily="18" charset="0"/>
+                              </a:rPr>
+                              <m:t>Quality</m:t>
+                            </m:r>
+                          </m:e>
+                          <m:sub>
+                            <m:r>
+                              <a:rPr lang="en-US" b="0" i="1" smtClean="0">
+                                <a:latin typeface="Cambria Math" panose="02040503050406030204" pitchFamily="18" charset="0"/>
+                              </a:rPr>
+                              <m:t>𝑖𝑗𝑡</m:t>
+                            </m:r>
+                          </m:sub>
+                        </m:sSub>
+                      </m:e>
+                    </m:func>
+                    <m:r>
+                      <a:rPr lang="en-US" b="0" i="1" smtClean="0">
+                        <a:latin typeface="Cambria Math" panose="02040503050406030204" pitchFamily="18" charset="0"/>
+                      </a:rPr>
+                      <m:t>=</m:t>
+                    </m:r>
+                    <m:r>
+                      <a:rPr lang="en-US" b="0" i="1" smtClean="0">
+                        <a:latin typeface="Cambria Math" panose="02040503050406030204" pitchFamily="18" charset="0"/>
+                      </a:rPr>
+                      <m:t>𝛼</m:t>
+                    </m:r>
+                    <m:func>
+                      <m:funcPr>
+                        <m:ctrlPr>
+                          <a:rPr lang="en-US" b="0" i="1" smtClean="0">
+                            <a:latin typeface="Cambria Math" panose="02040503050406030204" pitchFamily="18" charset="0"/>
+                          </a:rPr>
+                        </m:ctrlPr>
+                      </m:funcPr>
+                      <m:fName>
+                        <m:r>
+                          <m:rPr>
+                            <m:sty m:val="p"/>
+                          </m:rPr>
+                          <a:rPr lang="en-US" b="0" i="0" smtClean="0">
+                            <a:latin typeface="Cambria Math" panose="02040503050406030204" pitchFamily="18" charset="0"/>
+                          </a:rPr>
+                          <m:t>ln</m:t>
+                        </m:r>
+                      </m:fName>
+                      <m:e>
+                        <m:sSub>
+                          <m:sSubPr>
+                            <m:ctrlPr>
+                              <a:rPr lang="en-US" b="0" i="0" smtClean="0">
+                                <a:latin typeface="Cambria Math" panose="02040503050406030204" pitchFamily="18" charset="0"/>
+                              </a:rPr>
+                            </m:ctrlPr>
+                          </m:sSubPr>
+                          <m:e>
+                            <m:r>
+                              <m:rPr>
+                                <m:sty m:val="p"/>
+                              </m:rPr>
+                              <a:rPr lang="en-US" b="0" i="0" smtClean="0">
+                                <a:latin typeface="Cambria Math" panose="02040503050406030204" pitchFamily="18" charset="0"/>
+                              </a:rPr>
+                              <m:t>Cost</m:t>
+                            </m:r>
+                          </m:e>
+                          <m:sub>
+                            <m:r>
+                              <a:rPr lang="en-US" b="0" i="1" smtClean="0">
+                                <a:latin typeface="Cambria Math" panose="02040503050406030204" pitchFamily="18" charset="0"/>
+                              </a:rPr>
+                              <m:t>𝑖𝑗𝑡</m:t>
+                            </m:r>
+                          </m:sub>
+                        </m:sSub>
+                      </m:e>
+                    </m:func>
+                    <m:r>
+                      <a:rPr lang="en-US" b="0" i="1" smtClean="0">
+                        <a:latin typeface="Cambria Math" panose="02040503050406030204" pitchFamily="18" charset="0"/>
+                      </a:rPr>
+                      <m:t>+</m:t>
+                    </m:r>
+                    <m:sSub>
+                      <m:sSubPr>
+                        <m:ctrlPr>
+                          <a:rPr lang="en-US" b="0" i="1" smtClean="0">
+                            <a:latin typeface="Cambria Math" panose="02040503050406030204" pitchFamily="18" charset="0"/>
+                          </a:rPr>
+                        </m:ctrlPr>
+                      </m:sSubPr>
+                      <m:e>
+                        <m:r>
+                          <a:rPr lang="en-US" b="0" i="1" smtClean="0">
+                            <a:latin typeface="Cambria Math" panose="02040503050406030204" pitchFamily="18" charset="0"/>
+                          </a:rPr>
+                          <m:t>𝛿</m:t>
+                        </m:r>
+                      </m:e>
+                      <m:sub>
+                        <m:r>
+                          <a:rPr lang="en-US" b="0" i="1" smtClean="0">
+                            <a:latin typeface="Cambria Math" panose="02040503050406030204" pitchFamily="18" charset="0"/>
+                          </a:rPr>
+                          <m:t>𝑗</m:t>
+                        </m:r>
+                      </m:sub>
+                    </m:sSub>
+                    <m:r>
+                      <a:rPr lang="en-US" b="0" i="1" smtClean="0">
+                        <a:latin typeface="Cambria Math" panose="02040503050406030204" pitchFamily="18" charset="0"/>
+                      </a:rPr>
+                      <m:t>+</m:t>
+                    </m:r>
+                    <m:sSub>
+                      <m:sSubPr>
+                        <m:ctrlPr>
+                          <a:rPr lang="en-US" b="0" i="1" smtClean="0">
+                            <a:latin typeface="Cambria Math" panose="02040503050406030204" pitchFamily="18" charset="0"/>
+                          </a:rPr>
+                        </m:ctrlPr>
+                      </m:sSubPr>
+                      <m:e>
+                        <m:r>
+                          <a:rPr lang="en-US" b="0" i="1" smtClean="0">
+                            <a:latin typeface="Cambria Math" panose="02040503050406030204" pitchFamily="18" charset="0"/>
+                          </a:rPr>
+                          <m:t>𝛾</m:t>
+                        </m:r>
+                      </m:e>
+                      <m:sub>
+                        <m:r>
+                          <a:rPr lang="en-US" b="0" i="1" smtClean="0">
+                            <a:latin typeface="Cambria Math" panose="02040503050406030204" pitchFamily="18" charset="0"/>
+                          </a:rPr>
+                          <m:t>𝑡</m:t>
+                        </m:r>
+                      </m:sub>
+                    </m:sSub>
+                    <m:r>
+                      <a:rPr lang="en-US" b="0" i="1" smtClean="0">
+                        <a:latin typeface="Cambria Math" panose="02040503050406030204" pitchFamily="18" charset="0"/>
+                      </a:rPr>
+                      <m:t>+</m:t>
+                    </m:r>
+                    <m:sSub>
+                      <m:sSubPr>
+                        <m:ctrlPr>
+                          <a:rPr lang="en-US" b="0" i="1" smtClean="0">
+                            <a:latin typeface="Cambria Math" panose="02040503050406030204" pitchFamily="18" charset="0"/>
+                          </a:rPr>
+                        </m:ctrlPr>
+                      </m:sSubPr>
+                      <m:e>
+                        <m:r>
+                          <a:rPr lang="en-US" b="0" i="1" smtClean="0">
+                            <a:latin typeface="Cambria Math" panose="02040503050406030204" pitchFamily="18" charset="0"/>
+                          </a:rPr>
+                          <m:t>𝜖</m:t>
+                        </m:r>
+                      </m:e>
+                      <m:sub>
+                        <m:r>
+                          <a:rPr lang="en-US" b="0" i="1" smtClean="0">
+                            <a:latin typeface="Cambria Math" panose="02040503050406030204" pitchFamily="18" charset="0"/>
+                          </a:rPr>
+                          <m:t>𝑖𝑗𝑡</m:t>
+                        </m:r>
+                      </m:sub>
+                    </m:sSub>
+                  </m:oMath>
+                </a14:m>
+                <a:endParaRPr lang="en-US" dirty="0"/>
+              </a:p>
+              <a:p>
+                <a:endParaRPr lang="en-US" dirty="0"/>
+              </a:p>
+              <a:p>
+                <a:r>
+                  <a:rPr lang="en-US" dirty="0"/>
+                  <a:t>We measure quality in two ways:</a:t>
+                </a:r>
+              </a:p>
+              <a:p>
+                <a:pPr lvl="1"/>
+                <a:r>
+                  <a:rPr lang="en-US" dirty="0"/>
+                  <a:t>Zaps earned in the first 48 hours of the post</a:t>
+                </a:r>
+              </a:p>
+              <a:p>
+                <a:pPr lvl="1"/>
+                <a:r>
+                  <a:rPr lang="en-US" dirty="0"/>
+                  <a:t>Replies received in the first 48 hours of the post</a:t>
+                </a:r>
+              </a:p>
+              <a:p>
+                <a:pPr marL="0" indent="0">
+                  <a:buNone/>
+                </a:pPr>
+                <a:endParaRPr lang="en-US" dirty="0"/>
+              </a:p>
+              <a:p>
+                <a:pPr marL="0" indent="0">
+                  <a:buNone/>
+                </a:pPr>
+                <a:endParaRPr lang="en-US" dirty="0"/>
+              </a:p>
+              <a:p>
+                <a:pPr marL="0" indent="0">
+                  <a:buNone/>
+                </a:pPr>
+                <a:endParaRPr lang="en-US" dirty="0"/>
+              </a:p>
+              <a:p>
+                <a:pPr marL="0" indent="0">
+                  <a:buNone/>
+                </a:pPr>
+                <a:endParaRPr lang="en-US" dirty="0"/>
+              </a:p>
+            </p:txBody>
+          </p:sp>
+        </mc:Choice>
+        <mc:Fallback>
+          <p:sp>
+            <p:nvSpPr>
+              <p:cNvPr id="3" name="Content Placeholder 2">
+                <a:extLst>
+                  <a:ext uri="{FF2B5EF4-FFF2-40B4-BE49-F238E27FC236}">
+                    <a16:creationId xmlns:a16="http://schemas.microsoft.com/office/drawing/2014/main" id="{033AFF98-1081-3D5D-0ED4-F30C8BF99347}"/>
+                  </a:ext>
+                </a:extLst>
+              </p:cNvPr>
+              <p:cNvSpPr>
+                <a:spLocks noGrp="1" noRot="1" noChangeAspect="1" noMove="1" noResize="1" noEditPoints="1" noAdjustHandles="1" noChangeArrowheads="1" noChangeShapeType="1" noTextEdit="1"/>
+              </p:cNvSpPr>
+              <p:nvPr>
+                <p:ph idx="1"/>
+              </p:nvPr>
+            </p:nvSpPr>
+            <p:spPr>
+              <a:xfrm>
+                <a:off x="838200" y="1540933"/>
+                <a:ext cx="10515600" cy="4686830"/>
+              </a:xfrm>
+              <a:blipFill>
+                <a:blip r:embed="rId3"/>
+                <a:stretch>
+                  <a:fillRect l="-928" t="-3251" r="-464"/>
+                </a:stretch>
+              </a:blipFill>
+            </p:spPr>
+            <p:txBody>
+              <a:bodyPr/>
+              <a:lstStyle/>
+              <a:p>
+                <a:r>
+                  <a:rPr lang="en-US">
+                    <a:noFill/>
+                  </a:rPr>
+                  <a:t> </a:t>
+                </a:r>
+              </a:p>
+            </p:txBody>
+          </p:sp>
+        </mc:Fallback>
+      </mc:AlternateContent>
+    </p:spTree>
+    <p:extLst>
+      <p:ext uri="{BB962C8B-B14F-4D97-AF65-F5344CB8AC3E}">
+        <p14:creationId xmlns:p14="http://schemas.microsoft.com/office/powerpoint/2010/main" val="3381405692"/>
+      </p:ext>
+    </p:extLst>
+  </p:cSld>
+  <p:clrMapOvr>
+    <a:masterClrMapping/>
+  </p:clrMapOvr>
+</p:sld>
+</file>
+
+<file path=ppt/slides/slide16.xml><?xml version="1.0" encoding="utf-8"?>
+<p:sld xmlns:a="http://schemas.openxmlformats.org/drawingml/2006/main" xmlns:r="http://schemas.openxmlformats.org/officeDocument/2006/relationships" xmlns:p="http://schemas.openxmlformats.org/presentationml/2006/main">
+  <p:cSld>
+    <p:spTree>
+      <p:nvGrpSpPr>
+        <p:cNvPr id="1" name=""/>
+        <p:cNvGrpSpPr/>
+        <p:nvPr/>
+      </p:nvGrpSpPr>
+      <p:grpSpPr>
+        <a:xfrm>
+          <a:off x="0" y="0"/>
+          <a:ext cx="0" cy="0"/>
+          <a:chOff x="0" y="0"/>
+          <a:chExt cx="0" cy="0"/>
+        </a:xfrm>
+      </p:grpSpPr>
+      <p:pic>
+        <p:nvPicPr>
+          <p:cNvPr id="3" name="Picture 2">
+            <a:extLst>
+              <a:ext uri="{FF2B5EF4-FFF2-40B4-BE49-F238E27FC236}">
+                <a16:creationId xmlns:a16="http://schemas.microsoft.com/office/drawing/2014/main" id="{A36F93A2-F435-F1AF-F83C-05C19265450D}"/>
+              </a:ext>
+            </a:extLst>
+          </p:cNvPr>
+          <p:cNvPicPr>
+            <a:picLocks noChangeAspect="1"/>
+          </p:cNvPicPr>
+          <p:nvPr/>
+        </p:nvPicPr>
+        <p:blipFill>
+          <a:blip r:embed="rId2"/>
+          <a:stretch>
+            <a:fillRect/>
+          </a:stretch>
+        </p:blipFill>
+        <p:spPr>
+          <a:xfrm>
+            <a:off x="1761520" y="156706"/>
+            <a:ext cx="8668960" cy="6544588"/>
+          </a:xfrm>
+          <a:prstGeom prst="rect">
+            <a:avLst/>
+          </a:prstGeom>
+        </p:spPr>
+      </p:pic>
+    </p:spTree>
+    <p:extLst>
+      <p:ext uri="{BB962C8B-B14F-4D97-AF65-F5344CB8AC3E}">
+        <p14:creationId xmlns:p14="http://schemas.microsoft.com/office/powerpoint/2010/main" val="2198133471"/>
+      </p:ext>
+    </p:extLst>
+  </p:cSld>
+  <p:clrMapOvr>
+    <a:masterClrMapping/>
+  </p:clrMapOvr>
+</p:sld>
+</file>
+
+<file path=ppt/slides/slide17.xml><?xml version="1.0" encoding="utf-8"?>
+<p:sld xmlns:a="http://schemas.openxmlformats.org/drawingml/2006/main" xmlns:r="http://schemas.openxmlformats.org/officeDocument/2006/relationships" xmlns:p="http://schemas.openxmlformats.org/presentationml/2006/main">
+  <p:cSld>
+    <p:spTree>
+      <p:nvGrpSpPr>
+        <p:cNvPr id="1" name=""/>
+        <p:cNvGrpSpPr/>
+        <p:nvPr/>
+      </p:nvGrpSpPr>
+      <p:grpSpPr>
+        <a:xfrm>
+          <a:off x="0" y="0"/>
+          <a:ext cx="0" cy="0"/>
+          <a:chOff x="0" y="0"/>
+          <a:chExt cx="0" cy="0"/>
+        </a:xfrm>
+      </p:grpSpPr>
+      <p:pic>
+        <p:nvPicPr>
+          <p:cNvPr id="3" name="Picture 2">
+            <a:extLst>
+              <a:ext uri="{FF2B5EF4-FFF2-40B4-BE49-F238E27FC236}">
+                <a16:creationId xmlns:a16="http://schemas.microsoft.com/office/drawing/2014/main" id="{BADAB698-24F5-5A18-DD08-A6775D7A4C92}"/>
+              </a:ext>
+            </a:extLst>
+          </p:cNvPr>
+          <p:cNvPicPr>
+            <a:picLocks noChangeAspect="1"/>
+          </p:cNvPicPr>
+          <p:nvPr/>
+        </p:nvPicPr>
+        <p:blipFill>
+          <a:blip r:embed="rId3"/>
+          <a:stretch>
+            <a:fillRect/>
+          </a:stretch>
+        </p:blipFill>
+        <p:spPr>
+          <a:xfrm>
+            <a:off x="2371205" y="432969"/>
+            <a:ext cx="7449590" cy="5992061"/>
+          </a:xfrm>
+          <a:prstGeom prst="rect">
+            <a:avLst/>
+          </a:prstGeom>
+        </p:spPr>
+      </p:pic>
+    </p:spTree>
+    <p:extLst>
+      <p:ext uri="{BB962C8B-B14F-4D97-AF65-F5344CB8AC3E}">
+        <p14:creationId xmlns:p14="http://schemas.microsoft.com/office/powerpoint/2010/main" val="865927730"/>
+      </p:ext>
+    </p:extLst>
+  </p:cSld>
+  <p:clrMapOvr>
+    <a:masterClrMapping/>
+  </p:clrMapOvr>
+</p:sld>
+</file>
+
+<file path=ppt/slides/slide18.xml><?xml version="1.0" encoding="utf-8"?>
+<p:sld xmlns:a="http://schemas.openxmlformats.org/drawingml/2006/main" xmlns:r="http://schemas.openxmlformats.org/officeDocument/2006/relationships" xmlns:p="http://schemas.openxmlformats.org/presentationml/2006/main">
+  <p:cSld>
+    <p:spTree>
+      <p:nvGrpSpPr>
+        <p:cNvPr id="1" name=""/>
+        <p:cNvGrpSpPr/>
+        <p:nvPr/>
+      </p:nvGrpSpPr>
+      <p:grpSpPr>
+        <a:xfrm>
+          <a:off x="0" y="0"/>
+          <a:ext cx="0" cy="0"/>
+          <a:chOff x="0" y="0"/>
+          <a:chExt cx="0" cy="0"/>
+        </a:xfrm>
+      </p:grpSpPr>
+      <p:pic>
+        <p:nvPicPr>
+          <p:cNvPr id="3" name="Picture 2">
+            <a:extLst>
+              <a:ext uri="{FF2B5EF4-FFF2-40B4-BE49-F238E27FC236}">
+                <a16:creationId xmlns:a16="http://schemas.microsoft.com/office/drawing/2014/main" id="{16F972E4-CD38-2C9E-8746-F07A3B0D4234}"/>
+              </a:ext>
+            </a:extLst>
+          </p:cNvPr>
+          <p:cNvPicPr>
+            <a:picLocks noChangeAspect="1"/>
+          </p:cNvPicPr>
+          <p:nvPr/>
+        </p:nvPicPr>
+        <p:blipFill>
+          <a:blip r:embed="rId3"/>
+          <a:stretch>
+            <a:fillRect/>
+          </a:stretch>
+        </p:blipFill>
+        <p:spPr>
+          <a:xfrm>
+            <a:off x="2071126" y="390101"/>
+            <a:ext cx="8049748" cy="6077798"/>
+          </a:xfrm>
+          <a:prstGeom prst="rect">
+            <a:avLst/>
+          </a:prstGeom>
+        </p:spPr>
+      </p:pic>
+    </p:spTree>
+    <p:extLst>
+      <p:ext uri="{BB962C8B-B14F-4D97-AF65-F5344CB8AC3E}">
+        <p14:creationId xmlns:p14="http://schemas.microsoft.com/office/powerpoint/2010/main" val="3161655776"/>
+      </p:ext>
+    </p:extLst>
+  </p:cSld>
+  <p:clrMapOvr>
+    <a:masterClrMapping/>
+  </p:clrMapOvr>
+</p:sld>
+</file>
+
+<file path=ppt/slides/slide19.xml><?xml version="1.0" encoding="utf-8"?>
+<p:sld xmlns:a="http://schemas.openxmlformats.org/drawingml/2006/main" xmlns:r="http://schemas.openxmlformats.org/officeDocument/2006/relationships" xmlns:p="http://schemas.openxmlformats.org/presentationml/2006/main">
+  <p:cSld>
+    <p:spTree>
+      <p:nvGrpSpPr>
+        <p:cNvPr id="1" name="">
+          <a:extLst>
+            <a:ext uri="{FF2B5EF4-FFF2-40B4-BE49-F238E27FC236}">
+              <a16:creationId xmlns:a16="http://schemas.microsoft.com/office/drawing/2014/main" id="{AC49845D-A9E7-4739-D4B7-541B47576089}"/>
+            </a:ext>
+          </a:extLst>
+        </p:cNvPr>
+        <p:cNvGrpSpPr/>
+        <p:nvPr/>
+      </p:nvGrpSpPr>
+      <p:grpSpPr>
+        <a:xfrm>
+          <a:off x="0" y="0"/>
+          <a:ext cx="0" cy="0"/>
+          <a:chOff x="0" y="0"/>
+          <a:chExt cx="0" cy="0"/>
+        </a:xfrm>
+      </p:grpSpPr>
+      <p:sp>
+        <p:nvSpPr>
+          <p:cNvPr id="3" name="Content Placeholder 2">
+            <a:extLst>
+              <a:ext uri="{FF2B5EF4-FFF2-40B4-BE49-F238E27FC236}">
+                <a16:creationId xmlns:a16="http://schemas.microsoft.com/office/drawing/2014/main" id="{667C1D1C-21C2-A2DD-8DB6-23C6545DA4E4}"/>
+              </a:ext>
+            </a:extLst>
+          </p:cNvPr>
+          <p:cNvSpPr>
+            <a:spLocks noGrp="1"/>
+          </p:cNvSpPr>
+          <p:nvPr>
+            <p:ph idx="1"/>
+          </p:nvPr>
+        </p:nvSpPr>
+        <p:spPr>
+          <a:xfrm>
+            <a:off x="1936568" y="550250"/>
+            <a:ext cx="8318863" cy="5757500"/>
+          </a:xfrm>
+        </p:spPr>
+        <p:txBody>
+          <a:bodyPr>
+            <a:normAutofit/>
+          </a:bodyPr>
+          <a:lstStyle/>
+          <a:p>
+            <a:pPr marL="0" indent="0">
+              <a:lnSpc>
+                <a:spcPct val="110000"/>
+              </a:lnSpc>
+              <a:buNone/>
+            </a:pPr>
+            <a:r>
+              <a:rPr lang="en-US" dirty="0"/>
+              <a:t>“If I put a lot of effort into a post, I know that the posting fee will be offset by the zaps. And even if it doesn’t, I’m just happy to show the work I’ve done and I’m ready to pay for it. On the other hand, when I share a simple link with a few quick comments and quotes, it takes me a few minutes, and I look for a cheaper territory to post it. If I don’t find any cheap territory, I’d rather not post, as I don’t think paying to post for links is worth the same as paying to post for actual proof-of-work.”</a:t>
+            </a:r>
+          </a:p>
+        </p:txBody>
+      </p:sp>
+    </p:spTree>
+    <p:extLst>
+      <p:ext uri="{BB962C8B-B14F-4D97-AF65-F5344CB8AC3E}">
+        <p14:creationId xmlns:p14="http://schemas.microsoft.com/office/powerpoint/2010/main" val="3618029951"/>
+      </p:ext>
+    </p:extLst>
+  </p:cSld>
+  <p:clrMapOvr>
+    <a:masterClrMapping/>
+  </p:clrMapOvr>
+</p:sld>
+</file>
+
 <file path=ppt/slides/slide2.xml><?xml version="1.0" encoding="utf-8"?>
 <p:sld xmlns:a="http://schemas.openxmlformats.org/drawingml/2006/main" xmlns:r="http://schemas.openxmlformats.org/officeDocument/2006/relationships" xmlns:p="http://schemas.openxmlformats.org/presentationml/2006/main">
   <p:cSld>
@@ -5486,6 +7855,1485 @@
     <p:extLst>
       <p:ext uri="{BB962C8B-B14F-4D97-AF65-F5344CB8AC3E}">
         <p14:creationId xmlns:p14="http://schemas.microsoft.com/office/powerpoint/2010/main" val="54966555"/>
+      </p:ext>
+    </p:extLst>
+  </p:cSld>
+  <p:clrMapOvr>
+    <a:masterClrMapping/>
+  </p:clrMapOvr>
+</p:sld>
+</file>
+
+<file path=ppt/slides/slide20.xml><?xml version="1.0" encoding="utf-8"?>
+<p:sld xmlns:a="http://schemas.openxmlformats.org/drawingml/2006/main" xmlns:r="http://schemas.openxmlformats.org/officeDocument/2006/relationships" xmlns:p="http://schemas.openxmlformats.org/presentationml/2006/main">
+  <p:cSld>
+    <p:spTree>
+      <p:nvGrpSpPr>
+        <p:cNvPr id="1" name="">
+          <a:extLst>
+            <a:ext uri="{FF2B5EF4-FFF2-40B4-BE49-F238E27FC236}">
+              <a16:creationId xmlns:a16="http://schemas.microsoft.com/office/drawing/2014/main" id="{EB1BF96E-9AD8-EE6F-A021-631768C4D718}"/>
+            </a:ext>
+          </a:extLst>
+        </p:cNvPr>
+        <p:cNvGrpSpPr/>
+        <p:nvPr/>
+      </p:nvGrpSpPr>
+      <p:grpSpPr>
+        <a:xfrm>
+          <a:off x="0" y="0"/>
+          <a:ext cx="0" cy="0"/>
+          <a:chOff x="0" y="0"/>
+          <a:chExt cx="0" cy="0"/>
+        </a:xfrm>
+      </p:grpSpPr>
+      <p:sp>
+        <p:nvSpPr>
+          <p:cNvPr id="2" name="Title 1">
+            <a:extLst>
+              <a:ext uri="{FF2B5EF4-FFF2-40B4-BE49-F238E27FC236}">
+                <a16:creationId xmlns:a16="http://schemas.microsoft.com/office/drawing/2014/main" id="{EB25278B-E3BD-BC75-2AA9-6C716C3CF998}"/>
+              </a:ext>
+            </a:extLst>
+          </p:cNvPr>
+          <p:cNvSpPr>
+            <a:spLocks noGrp="1"/>
+          </p:cNvSpPr>
+          <p:nvPr>
+            <p:ph type="title"/>
+          </p:nvPr>
+        </p:nvSpPr>
+        <p:spPr>
+          <a:xfrm>
+            <a:off x="702734" y="164570"/>
+            <a:ext cx="10828866" cy="1325563"/>
+          </a:xfrm>
+        </p:spPr>
+        <p:txBody>
+          <a:bodyPr>
+            <a:normAutofit/>
+          </a:bodyPr>
+          <a:lstStyle/>
+          <a:p>
+            <a:r>
+              <a:rPr lang="en-US" sz="4000" dirty="0"/>
+              <a:t>Pay-to-Post and Content Quantity</a:t>
+            </a:r>
+          </a:p>
+        </p:txBody>
+      </p:sp>
+      <mc:AlternateContent xmlns:mc="http://schemas.openxmlformats.org/markup-compatibility/2006">
+        <mc:Choice xmlns:a14="http://schemas.microsoft.com/office/drawing/2010/main" Requires="a14">
+          <p:sp>
+            <p:nvSpPr>
+              <p:cNvPr id="3" name="Content Placeholder 2">
+                <a:extLst>
+                  <a:ext uri="{FF2B5EF4-FFF2-40B4-BE49-F238E27FC236}">
+                    <a16:creationId xmlns:a16="http://schemas.microsoft.com/office/drawing/2014/main" id="{6A593A9F-822E-0503-5A68-4531DF53A4C3}"/>
+                  </a:ext>
+                </a:extLst>
+              </p:cNvPr>
+              <p:cNvSpPr>
+                <a:spLocks noGrp="1"/>
+              </p:cNvSpPr>
+              <p:nvPr>
+                <p:ph idx="1"/>
+              </p:nvPr>
+            </p:nvSpPr>
+            <p:spPr>
+              <a:xfrm>
+                <a:off x="838200" y="1540933"/>
+                <a:ext cx="10515600" cy="4686830"/>
+              </a:xfrm>
+            </p:spPr>
+            <p:txBody>
+              <a:bodyPr>
+                <a:normAutofit/>
+              </a:bodyPr>
+              <a:lstStyle/>
+              <a:p>
+                <a:r>
+                  <a:rPr lang="en-US" dirty="0"/>
+                  <a:t>To estimate the effect of posting fee on posting quantity, we estimate:</a:t>
+                </a:r>
+                <a:br>
+                  <a:rPr lang="en-US" dirty="0"/>
+                </a:br>
+                <a:br>
+                  <a:rPr lang="en-US" dirty="0"/>
+                </a:br>
+                <a14:m>
+                  <m:oMath xmlns:m="http://schemas.openxmlformats.org/officeDocument/2006/math">
+                    <m:func>
+                      <m:funcPr>
+                        <m:ctrlPr>
+                          <a:rPr lang="en-US" b="0" i="1" smtClean="0">
+                            <a:latin typeface="Cambria Math" panose="02040503050406030204" pitchFamily="18" charset="0"/>
+                          </a:rPr>
+                        </m:ctrlPr>
+                      </m:funcPr>
+                      <m:fName>
+                        <m:r>
+                          <m:rPr>
+                            <m:sty m:val="p"/>
+                          </m:rPr>
+                          <a:rPr lang="en-US" b="0" i="0" smtClean="0">
+                            <a:latin typeface="Cambria Math" panose="02040503050406030204" pitchFamily="18" charset="0"/>
+                          </a:rPr>
+                          <m:t>ln</m:t>
+                        </m:r>
+                      </m:fName>
+                      <m:e>
+                        <m:sSub>
+                          <m:sSubPr>
+                            <m:ctrlPr>
+                              <a:rPr lang="en-US" b="0" i="0" smtClean="0">
+                                <a:latin typeface="Cambria Math" panose="02040503050406030204" pitchFamily="18" charset="0"/>
+                              </a:rPr>
+                            </m:ctrlPr>
+                          </m:sSubPr>
+                          <m:e>
+                            <m:r>
+                              <m:rPr>
+                                <m:sty m:val="p"/>
+                              </m:rPr>
+                              <a:rPr lang="en-US" b="0" i="0" smtClean="0">
+                                <a:latin typeface="Cambria Math" panose="02040503050406030204" pitchFamily="18" charset="0"/>
+                              </a:rPr>
+                              <m:t>Posts</m:t>
+                            </m:r>
+                          </m:e>
+                          <m:sub>
+                            <m:r>
+                              <a:rPr lang="en-US" b="0" i="1" smtClean="0">
+                                <a:latin typeface="Cambria Math" panose="02040503050406030204" pitchFamily="18" charset="0"/>
+                              </a:rPr>
+                              <m:t>𝑗𝑡</m:t>
+                            </m:r>
+                          </m:sub>
+                        </m:sSub>
+                      </m:e>
+                    </m:func>
+                    <m:r>
+                      <a:rPr lang="en-US" b="0" i="1" smtClean="0">
+                        <a:latin typeface="Cambria Math" panose="02040503050406030204" pitchFamily="18" charset="0"/>
+                      </a:rPr>
+                      <m:t>=</m:t>
+                    </m:r>
+                    <m:r>
+                      <a:rPr lang="en-US" b="0" i="1" smtClean="0">
+                        <a:latin typeface="Cambria Math" panose="02040503050406030204" pitchFamily="18" charset="0"/>
+                      </a:rPr>
+                      <m:t>𝛼</m:t>
+                    </m:r>
+                    <m:func>
+                      <m:funcPr>
+                        <m:ctrlPr>
+                          <a:rPr lang="en-US" b="0" i="1" smtClean="0">
+                            <a:latin typeface="Cambria Math" panose="02040503050406030204" pitchFamily="18" charset="0"/>
+                          </a:rPr>
+                        </m:ctrlPr>
+                      </m:funcPr>
+                      <m:fName>
+                        <m:r>
+                          <m:rPr>
+                            <m:sty m:val="p"/>
+                          </m:rPr>
+                          <a:rPr lang="en-US" b="0" i="0" smtClean="0">
+                            <a:latin typeface="Cambria Math" panose="02040503050406030204" pitchFamily="18" charset="0"/>
+                          </a:rPr>
+                          <m:t>ln</m:t>
+                        </m:r>
+                      </m:fName>
+                      <m:e>
+                        <m:sSub>
+                          <m:sSubPr>
+                            <m:ctrlPr>
+                              <a:rPr lang="en-US" b="0" i="0" smtClean="0">
+                                <a:latin typeface="Cambria Math" panose="02040503050406030204" pitchFamily="18" charset="0"/>
+                              </a:rPr>
+                            </m:ctrlPr>
+                          </m:sSubPr>
+                          <m:e>
+                            <m:r>
+                              <m:rPr>
+                                <m:sty m:val="p"/>
+                              </m:rPr>
+                              <a:rPr lang="en-US" b="0" i="0" smtClean="0">
+                                <a:latin typeface="Cambria Math" panose="02040503050406030204" pitchFamily="18" charset="0"/>
+                              </a:rPr>
+                              <m:t>Cost</m:t>
+                            </m:r>
+                          </m:e>
+                          <m:sub>
+                            <m:r>
+                              <a:rPr lang="en-US" b="0" i="1" smtClean="0">
+                                <a:latin typeface="Cambria Math" panose="02040503050406030204" pitchFamily="18" charset="0"/>
+                              </a:rPr>
+                              <m:t>𝑗𝑡</m:t>
+                            </m:r>
+                          </m:sub>
+                        </m:sSub>
+                      </m:e>
+                    </m:func>
+                    <m:r>
+                      <a:rPr lang="en-US" b="0" i="1" smtClean="0">
+                        <a:latin typeface="Cambria Math" panose="02040503050406030204" pitchFamily="18" charset="0"/>
+                      </a:rPr>
+                      <m:t>+</m:t>
+                    </m:r>
+                    <m:sSub>
+                      <m:sSubPr>
+                        <m:ctrlPr>
+                          <a:rPr lang="en-US" b="0" i="1" smtClean="0">
+                            <a:latin typeface="Cambria Math" panose="02040503050406030204" pitchFamily="18" charset="0"/>
+                          </a:rPr>
+                        </m:ctrlPr>
+                      </m:sSubPr>
+                      <m:e>
+                        <m:r>
+                          <a:rPr lang="en-US" b="0" i="1" smtClean="0">
+                            <a:latin typeface="Cambria Math" panose="02040503050406030204" pitchFamily="18" charset="0"/>
+                          </a:rPr>
+                          <m:t>𝛿</m:t>
+                        </m:r>
+                      </m:e>
+                      <m:sub>
+                        <m:r>
+                          <a:rPr lang="en-US" b="0" i="1" smtClean="0">
+                            <a:latin typeface="Cambria Math" panose="02040503050406030204" pitchFamily="18" charset="0"/>
+                          </a:rPr>
+                          <m:t>𝑗</m:t>
+                        </m:r>
+                      </m:sub>
+                    </m:sSub>
+                    <m:r>
+                      <a:rPr lang="en-US" b="0" i="1" smtClean="0">
+                        <a:latin typeface="Cambria Math" panose="02040503050406030204" pitchFamily="18" charset="0"/>
+                      </a:rPr>
+                      <m:t>+</m:t>
+                    </m:r>
+                    <m:sSub>
+                      <m:sSubPr>
+                        <m:ctrlPr>
+                          <a:rPr lang="en-US" b="0" i="1" smtClean="0">
+                            <a:latin typeface="Cambria Math" panose="02040503050406030204" pitchFamily="18" charset="0"/>
+                          </a:rPr>
+                        </m:ctrlPr>
+                      </m:sSubPr>
+                      <m:e>
+                        <m:r>
+                          <a:rPr lang="en-US" b="0" i="1" smtClean="0">
+                            <a:latin typeface="Cambria Math" panose="02040503050406030204" pitchFamily="18" charset="0"/>
+                          </a:rPr>
+                          <m:t>𝛾</m:t>
+                        </m:r>
+                      </m:e>
+                      <m:sub>
+                        <m:r>
+                          <a:rPr lang="en-US" b="0" i="1" smtClean="0">
+                            <a:latin typeface="Cambria Math" panose="02040503050406030204" pitchFamily="18" charset="0"/>
+                          </a:rPr>
+                          <m:t>𝑡</m:t>
+                        </m:r>
+                      </m:sub>
+                    </m:sSub>
+                    <m:r>
+                      <a:rPr lang="en-US" b="0" i="1" smtClean="0">
+                        <a:latin typeface="Cambria Math" panose="02040503050406030204" pitchFamily="18" charset="0"/>
+                      </a:rPr>
+                      <m:t>+</m:t>
+                    </m:r>
+                    <m:sSub>
+                      <m:sSubPr>
+                        <m:ctrlPr>
+                          <a:rPr lang="en-US" b="0" i="1" smtClean="0">
+                            <a:latin typeface="Cambria Math" panose="02040503050406030204" pitchFamily="18" charset="0"/>
+                          </a:rPr>
+                        </m:ctrlPr>
+                      </m:sSubPr>
+                      <m:e>
+                        <m:r>
+                          <a:rPr lang="en-US" b="0" i="1" smtClean="0">
+                            <a:latin typeface="Cambria Math" panose="02040503050406030204" pitchFamily="18" charset="0"/>
+                          </a:rPr>
+                          <m:t>𝜖</m:t>
+                        </m:r>
+                      </m:e>
+                      <m:sub>
+                        <m:r>
+                          <a:rPr lang="en-US" b="0" i="1" smtClean="0">
+                            <a:latin typeface="Cambria Math" panose="02040503050406030204" pitchFamily="18" charset="0"/>
+                          </a:rPr>
+                          <m:t>𝑗𝑡</m:t>
+                        </m:r>
+                      </m:sub>
+                    </m:sSub>
+                  </m:oMath>
+                </a14:m>
+                <a:endParaRPr lang="en-US" dirty="0"/>
+              </a:p>
+              <a:p>
+                <a:endParaRPr lang="en-US" dirty="0"/>
+              </a:p>
+            </p:txBody>
+          </p:sp>
+        </mc:Choice>
+        <mc:Fallback>
+          <p:sp>
+            <p:nvSpPr>
+              <p:cNvPr id="3" name="Content Placeholder 2">
+                <a:extLst>
+                  <a:ext uri="{FF2B5EF4-FFF2-40B4-BE49-F238E27FC236}">
+                    <a16:creationId xmlns:a16="http://schemas.microsoft.com/office/drawing/2014/main" id="{6A593A9F-822E-0503-5A68-4531DF53A4C3}"/>
+                  </a:ext>
+                </a:extLst>
+              </p:cNvPr>
+              <p:cNvSpPr>
+                <a:spLocks noGrp="1" noRot="1" noChangeAspect="1" noMove="1" noResize="1" noEditPoints="1" noAdjustHandles="1" noChangeArrowheads="1" noChangeShapeType="1" noTextEdit="1"/>
+              </p:cNvSpPr>
+              <p:nvPr>
+                <p:ph idx="1"/>
+              </p:nvPr>
+            </p:nvSpPr>
+            <p:spPr>
+              <a:xfrm>
+                <a:off x="838200" y="1540933"/>
+                <a:ext cx="10515600" cy="4686830"/>
+              </a:xfrm>
+              <a:blipFill>
+                <a:blip r:embed="rId3"/>
+                <a:stretch>
+                  <a:fillRect l="-1043" t="-2341"/>
+                </a:stretch>
+              </a:blipFill>
+            </p:spPr>
+            <p:txBody>
+              <a:bodyPr/>
+              <a:lstStyle/>
+              <a:p>
+                <a:r>
+                  <a:rPr lang="en-US">
+                    <a:noFill/>
+                  </a:rPr>
+                  <a:t> </a:t>
+                </a:r>
+              </a:p>
+            </p:txBody>
+          </p:sp>
+        </mc:Fallback>
+      </mc:AlternateContent>
+    </p:spTree>
+    <p:extLst>
+      <p:ext uri="{BB962C8B-B14F-4D97-AF65-F5344CB8AC3E}">
+        <p14:creationId xmlns:p14="http://schemas.microsoft.com/office/powerpoint/2010/main" val="1410533342"/>
+      </p:ext>
+    </p:extLst>
+  </p:cSld>
+  <p:clrMapOvr>
+    <a:masterClrMapping/>
+  </p:clrMapOvr>
+</p:sld>
+</file>
+
+<file path=ppt/slides/slide21.xml><?xml version="1.0" encoding="utf-8"?>
+<p:sld xmlns:a="http://schemas.openxmlformats.org/drawingml/2006/main" xmlns:r="http://schemas.openxmlformats.org/officeDocument/2006/relationships" xmlns:p="http://schemas.openxmlformats.org/presentationml/2006/main">
+  <p:cSld>
+    <p:spTree>
+      <p:nvGrpSpPr>
+        <p:cNvPr id="1" name=""/>
+        <p:cNvGrpSpPr/>
+        <p:nvPr/>
+      </p:nvGrpSpPr>
+      <p:grpSpPr>
+        <a:xfrm>
+          <a:off x="0" y="0"/>
+          <a:ext cx="0" cy="0"/>
+          <a:chOff x="0" y="0"/>
+          <a:chExt cx="0" cy="0"/>
+        </a:xfrm>
+      </p:grpSpPr>
+      <p:pic>
+        <p:nvPicPr>
+          <p:cNvPr id="3" name="Picture 2">
+            <a:extLst>
+              <a:ext uri="{FF2B5EF4-FFF2-40B4-BE49-F238E27FC236}">
+                <a16:creationId xmlns:a16="http://schemas.microsoft.com/office/drawing/2014/main" id="{F8E782D9-05C2-269E-691C-C30482CB846D}"/>
+              </a:ext>
+            </a:extLst>
+          </p:cNvPr>
+          <p:cNvPicPr>
+            <a:picLocks noChangeAspect="1"/>
+          </p:cNvPicPr>
+          <p:nvPr/>
+        </p:nvPicPr>
+        <p:blipFill>
+          <a:blip r:embed="rId3"/>
+          <a:stretch>
+            <a:fillRect/>
+          </a:stretch>
+        </p:blipFill>
+        <p:spPr>
+          <a:xfrm>
+            <a:off x="1961573" y="375811"/>
+            <a:ext cx="8268854" cy="6106377"/>
+          </a:xfrm>
+          <a:prstGeom prst="rect">
+            <a:avLst/>
+          </a:prstGeom>
+        </p:spPr>
+      </p:pic>
+    </p:spTree>
+    <p:extLst>
+      <p:ext uri="{BB962C8B-B14F-4D97-AF65-F5344CB8AC3E}">
+        <p14:creationId xmlns:p14="http://schemas.microsoft.com/office/powerpoint/2010/main" val="1031503723"/>
+      </p:ext>
+    </p:extLst>
+  </p:cSld>
+  <p:clrMapOvr>
+    <a:masterClrMapping/>
+  </p:clrMapOvr>
+</p:sld>
+</file>
+
+<file path=ppt/slides/slide22.xml><?xml version="1.0" encoding="utf-8"?>
+<p:sld xmlns:a="http://schemas.openxmlformats.org/drawingml/2006/main" xmlns:r="http://schemas.openxmlformats.org/officeDocument/2006/relationships" xmlns:p="http://schemas.openxmlformats.org/presentationml/2006/main">
+  <p:cSld>
+    <p:spTree>
+      <p:nvGrpSpPr>
+        <p:cNvPr id="1" name="">
+          <a:extLst>
+            <a:ext uri="{FF2B5EF4-FFF2-40B4-BE49-F238E27FC236}">
+              <a16:creationId xmlns:a16="http://schemas.microsoft.com/office/drawing/2014/main" id="{9169B17D-72AB-291D-1173-F2F642E41669}"/>
+            </a:ext>
+          </a:extLst>
+        </p:cNvPr>
+        <p:cNvGrpSpPr/>
+        <p:nvPr/>
+      </p:nvGrpSpPr>
+      <p:grpSpPr>
+        <a:xfrm>
+          <a:off x="0" y="0"/>
+          <a:ext cx="0" cy="0"/>
+          <a:chOff x="0" y="0"/>
+          <a:chExt cx="0" cy="0"/>
+        </a:xfrm>
+      </p:grpSpPr>
+      <p:sp>
+        <p:nvSpPr>
+          <p:cNvPr id="2" name="Title 1">
+            <a:extLst>
+              <a:ext uri="{FF2B5EF4-FFF2-40B4-BE49-F238E27FC236}">
+                <a16:creationId xmlns:a16="http://schemas.microsoft.com/office/drawing/2014/main" id="{532F5CF5-7CE2-DA9A-BD6D-E3DB1E7B6B41}"/>
+              </a:ext>
+            </a:extLst>
+          </p:cNvPr>
+          <p:cNvSpPr>
+            <a:spLocks noGrp="1"/>
+          </p:cNvSpPr>
+          <p:nvPr>
+            <p:ph type="title"/>
+          </p:nvPr>
+        </p:nvSpPr>
+        <p:spPr>
+          <a:xfrm>
+            <a:off x="702734" y="164570"/>
+            <a:ext cx="10828866" cy="1325563"/>
+          </a:xfrm>
+        </p:spPr>
+        <p:txBody>
+          <a:bodyPr>
+            <a:normAutofit/>
+          </a:bodyPr>
+          <a:lstStyle/>
+          <a:p>
+            <a:r>
+              <a:rPr lang="en-US" sz="4000" dirty="0"/>
+              <a:t>Pay-to-Post and Content Quality/Quantity</a:t>
+            </a:r>
+          </a:p>
+        </p:txBody>
+      </p:sp>
+      <p:sp>
+        <p:nvSpPr>
+          <p:cNvPr id="3" name="Content Placeholder 2">
+            <a:extLst>
+              <a:ext uri="{FF2B5EF4-FFF2-40B4-BE49-F238E27FC236}">
+                <a16:creationId xmlns:a16="http://schemas.microsoft.com/office/drawing/2014/main" id="{E83FFCFC-B7CE-1C6C-72C9-3B0996B67A12}"/>
+              </a:ext>
+            </a:extLst>
+          </p:cNvPr>
+          <p:cNvSpPr>
+            <a:spLocks noGrp="1"/>
+          </p:cNvSpPr>
+          <p:nvPr>
+            <p:ph idx="1"/>
+          </p:nvPr>
+        </p:nvSpPr>
+        <p:spPr>
+          <a:xfrm>
+            <a:off x="838200" y="1540933"/>
+            <a:ext cx="10515600" cy="4686830"/>
+          </a:xfrm>
+        </p:spPr>
+        <p:txBody>
+          <a:bodyPr>
+            <a:normAutofit/>
+          </a:bodyPr>
+          <a:lstStyle/>
+          <a:p>
+            <a:r>
+              <a:rPr lang="en-US" dirty="0"/>
+              <a:t>Results indicate that:</a:t>
+            </a:r>
+          </a:p>
+          <a:p>
+            <a:pPr lvl="1"/>
+            <a:r>
+              <a:rPr lang="en-US" sz="2800" dirty="0"/>
+              <a:t>Higher posting fees lead to higher quality posts</a:t>
+            </a:r>
+          </a:p>
+          <a:p>
+            <a:pPr lvl="1"/>
+            <a:r>
+              <a:rPr lang="en-US" sz="2800" dirty="0"/>
+              <a:t>Higher posting fees lead to fewer posts</a:t>
+            </a:r>
+          </a:p>
+          <a:p>
+            <a:pPr lvl="1"/>
+            <a:endParaRPr lang="en-US" sz="2800" dirty="0"/>
+          </a:p>
+          <a:p>
+            <a:r>
+              <a:rPr lang="en-US" dirty="0"/>
+              <a:t>Surprising and not surprising:</a:t>
+            </a:r>
+          </a:p>
+          <a:p>
+            <a:pPr lvl="1"/>
+            <a:r>
+              <a:rPr lang="en-US" sz="2800" dirty="0"/>
+              <a:t>Not surprising: demand curve slopes downwards</a:t>
+            </a:r>
+          </a:p>
+          <a:p>
+            <a:pPr lvl="1"/>
+            <a:r>
+              <a:rPr lang="en-US" sz="2800" dirty="0"/>
+              <a:t>Surprising: Micro-incentives on the order of a few cents to a few dollars is enough to drive detectable behavior on discussion platforms</a:t>
+            </a:r>
+          </a:p>
+          <a:p>
+            <a:endParaRPr lang="en-US" dirty="0"/>
+          </a:p>
+        </p:txBody>
+      </p:sp>
+    </p:spTree>
+    <p:extLst>
+      <p:ext uri="{BB962C8B-B14F-4D97-AF65-F5344CB8AC3E}">
+        <p14:creationId xmlns:p14="http://schemas.microsoft.com/office/powerpoint/2010/main" val="354791843"/>
+      </p:ext>
+    </p:extLst>
+  </p:cSld>
+  <p:clrMapOvr>
+    <a:masterClrMapping/>
+  </p:clrMapOvr>
+</p:sld>
+</file>
+
+<file path=ppt/slides/slide23.xml><?xml version="1.0" encoding="utf-8"?>
+<p:sld xmlns:a="http://schemas.openxmlformats.org/drawingml/2006/main" xmlns:r="http://schemas.openxmlformats.org/officeDocument/2006/relationships" xmlns:p="http://schemas.openxmlformats.org/presentationml/2006/main">
+  <p:cSld>
+    <p:spTree>
+      <p:nvGrpSpPr>
+        <p:cNvPr id="1" name="">
+          <a:extLst>
+            <a:ext uri="{FF2B5EF4-FFF2-40B4-BE49-F238E27FC236}">
+              <a16:creationId xmlns:a16="http://schemas.microsoft.com/office/drawing/2014/main" id="{3B6293C2-D161-BEF9-8244-B3EB88B55536}"/>
+            </a:ext>
+          </a:extLst>
+        </p:cNvPr>
+        <p:cNvGrpSpPr/>
+        <p:nvPr/>
+      </p:nvGrpSpPr>
+      <p:grpSpPr>
+        <a:xfrm>
+          <a:off x="0" y="0"/>
+          <a:ext cx="0" cy="0"/>
+          <a:chOff x="0" y="0"/>
+          <a:chExt cx="0" cy="0"/>
+        </a:xfrm>
+      </p:grpSpPr>
+      <p:sp>
+        <p:nvSpPr>
+          <p:cNvPr id="2" name="Title 1">
+            <a:extLst>
+              <a:ext uri="{FF2B5EF4-FFF2-40B4-BE49-F238E27FC236}">
+                <a16:creationId xmlns:a16="http://schemas.microsoft.com/office/drawing/2014/main" id="{34B88D2F-EFF0-E76D-910F-D9D2EBF24F67}"/>
+              </a:ext>
+            </a:extLst>
+          </p:cNvPr>
+          <p:cNvSpPr>
+            <a:spLocks noGrp="1"/>
+          </p:cNvSpPr>
+          <p:nvPr>
+            <p:ph type="title"/>
+          </p:nvPr>
+        </p:nvSpPr>
+        <p:spPr>
+          <a:xfrm>
+            <a:off x="702734" y="164570"/>
+            <a:ext cx="10828866" cy="1325563"/>
+          </a:xfrm>
+        </p:spPr>
+        <p:txBody>
+          <a:bodyPr>
+            <a:normAutofit/>
+          </a:bodyPr>
+          <a:lstStyle/>
+          <a:p>
+            <a:r>
+              <a:rPr lang="en-US" sz="4000" dirty="0"/>
+              <a:t>Value-for-value and Content Quality</a:t>
+            </a:r>
+          </a:p>
+        </p:txBody>
+      </p:sp>
+      <p:sp>
+        <p:nvSpPr>
+          <p:cNvPr id="3" name="Content Placeholder 2">
+            <a:extLst>
+              <a:ext uri="{FF2B5EF4-FFF2-40B4-BE49-F238E27FC236}">
+                <a16:creationId xmlns:a16="http://schemas.microsoft.com/office/drawing/2014/main" id="{F94C8C67-1F39-D8D5-D677-B8780933A075}"/>
+              </a:ext>
+            </a:extLst>
+          </p:cNvPr>
+          <p:cNvSpPr>
+            <a:spLocks noGrp="1"/>
+          </p:cNvSpPr>
+          <p:nvPr>
+            <p:ph idx="1"/>
+          </p:nvPr>
+        </p:nvSpPr>
+        <p:spPr>
+          <a:xfrm>
+            <a:off x="838200" y="1540933"/>
+            <a:ext cx="10515600" cy="4686830"/>
+          </a:xfrm>
+        </p:spPr>
+        <p:txBody>
+          <a:bodyPr>
+            <a:normAutofit/>
+          </a:bodyPr>
+          <a:lstStyle/>
+          <a:p>
+            <a:r>
+              <a:rPr lang="en-US" dirty="0"/>
+              <a:t>Hypothesis: the types of content that are better rewarded will increase in prevalence over time as users learn that these kinds of content are better rewarded.</a:t>
+            </a:r>
+          </a:p>
+          <a:p>
+            <a:endParaRPr lang="en-US" dirty="0"/>
+          </a:p>
+          <a:p>
+            <a:r>
+              <a:rPr lang="en-US" dirty="0"/>
+              <a:t>First, we need an objective measure of content quality based only on post attributes (and not on ex-post user behavior)</a:t>
+            </a:r>
+          </a:p>
+          <a:p>
+            <a:endParaRPr lang="en-US" dirty="0"/>
+          </a:p>
+          <a:p>
+            <a:endParaRPr lang="en-US" dirty="0"/>
+          </a:p>
+          <a:p>
+            <a:endParaRPr lang="en-US" dirty="0"/>
+          </a:p>
+          <a:p>
+            <a:endParaRPr lang="en-US" dirty="0"/>
+          </a:p>
+        </p:txBody>
+      </p:sp>
+    </p:spTree>
+    <p:extLst>
+      <p:ext uri="{BB962C8B-B14F-4D97-AF65-F5344CB8AC3E}">
+        <p14:creationId xmlns:p14="http://schemas.microsoft.com/office/powerpoint/2010/main" val="1282964888"/>
+      </p:ext>
+    </p:extLst>
+  </p:cSld>
+  <p:clrMapOvr>
+    <a:masterClrMapping/>
+  </p:clrMapOvr>
+</p:sld>
+</file>
+
+<file path=ppt/slides/slide24.xml><?xml version="1.0" encoding="utf-8"?>
+<p:sld xmlns:a="http://schemas.openxmlformats.org/drawingml/2006/main" xmlns:r="http://schemas.openxmlformats.org/officeDocument/2006/relationships" xmlns:p="http://schemas.openxmlformats.org/presentationml/2006/main">
+  <p:cSld>
+    <p:spTree>
+      <p:nvGrpSpPr>
+        <p:cNvPr id="1" name=""/>
+        <p:cNvGrpSpPr/>
+        <p:nvPr/>
+      </p:nvGrpSpPr>
+      <p:grpSpPr>
+        <a:xfrm>
+          <a:off x="0" y="0"/>
+          <a:ext cx="0" cy="0"/>
+          <a:chOff x="0" y="0"/>
+          <a:chExt cx="0" cy="0"/>
+        </a:xfrm>
+      </p:grpSpPr>
+      <p:pic>
+        <p:nvPicPr>
+          <p:cNvPr id="3" name="Picture 2">
+            <a:extLst>
+              <a:ext uri="{FF2B5EF4-FFF2-40B4-BE49-F238E27FC236}">
+                <a16:creationId xmlns:a16="http://schemas.microsoft.com/office/drawing/2014/main" id="{6AEDE14E-F5ED-1D8C-75BE-2590D15E7F13}"/>
+              </a:ext>
+            </a:extLst>
+          </p:cNvPr>
+          <p:cNvPicPr>
+            <a:picLocks noChangeAspect="1"/>
+          </p:cNvPicPr>
+          <p:nvPr/>
+        </p:nvPicPr>
+        <p:blipFill>
+          <a:blip r:embed="rId2"/>
+          <a:stretch>
+            <a:fillRect/>
+          </a:stretch>
+        </p:blipFill>
+        <p:spPr>
+          <a:xfrm>
+            <a:off x="1790099" y="113837"/>
+            <a:ext cx="8611802" cy="6630325"/>
+          </a:xfrm>
+          <a:prstGeom prst="rect">
+            <a:avLst/>
+          </a:prstGeom>
+        </p:spPr>
+      </p:pic>
+    </p:spTree>
+    <p:extLst>
+      <p:ext uri="{BB962C8B-B14F-4D97-AF65-F5344CB8AC3E}">
+        <p14:creationId xmlns:p14="http://schemas.microsoft.com/office/powerpoint/2010/main" val="3339338205"/>
+      </p:ext>
+    </p:extLst>
+  </p:cSld>
+  <p:clrMapOvr>
+    <a:masterClrMapping/>
+  </p:clrMapOvr>
+</p:sld>
+</file>
+
+<file path=ppt/slides/slide25.xml><?xml version="1.0" encoding="utf-8"?>
+<p:sld xmlns:a="http://schemas.openxmlformats.org/drawingml/2006/main" xmlns:r="http://schemas.openxmlformats.org/officeDocument/2006/relationships" xmlns:p="http://schemas.openxmlformats.org/presentationml/2006/main">
+  <p:cSld>
+    <p:spTree>
+      <p:nvGrpSpPr>
+        <p:cNvPr id="1" name="">
+          <a:extLst>
+            <a:ext uri="{FF2B5EF4-FFF2-40B4-BE49-F238E27FC236}">
+              <a16:creationId xmlns:a16="http://schemas.microsoft.com/office/drawing/2014/main" id="{705C4B7F-420D-B157-2093-6584C76A5F2A}"/>
+            </a:ext>
+          </a:extLst>
+        </p:cNvPr>
+        <p:cNvGrpSpPr/>
+        <p:nvPr/>
+      </p:nvGrpSpPr>
+      <p:grpSpPr>
+        <a:xfrm>
+          <a:off x="0" y="0"/>
+          <a:ext cx="0" cy="0"/>
+          <a:chOff x="0" y="0"/>
+          <a:chExt cx="0" cy="0"/>
+        </a:xfrm>
+      </p:grpSpPr>
+      <p:pic>
+        <p:nvPicPr>
+          <p:cNvPr id="3" name="Picture 2">
+            <a:extLst>
+              <a:ext uri="{FF2B5EF4-FFF2-40B4-BE49-F238E27FC236}">
+                <a16:creationId xmlns:a16="http://schemas.microsoft.com/office/drawing/2014/main" id="{F504A132-898E-8BA0-6DA1-89C1DA5AD117}"/>
+              </a:ext>
+            </a:extLst>
+          </p:cNvPr>
+          <p:cNvPicPr>
+            <a:picLocks noChangeAspect="1"/>
+          </p:cNvPicPr>
+          <p:nvPr/>
+        </p:nvPicPr>
+        <p:blipFill>
+          <a:blip r:embed="rId2"/>
+          <a:stretch>
+            <a:fillRect/>
+          </a:stretch>
+        </p:blipFill>
+        <p:spPr>
+          <a:xfrm>
+            <a:off x="1790099" y="113837"/>
+            <a:ext cx="8611802" cy="6630325"/>
+          </a:xfrm>
+          <a:prstGeom prst="rect">
+            <a:avLst/>
+          </a:prstGeom>
+        </p:spPr>
+      </p:pic>
+      <p:sp>
+        <p:nvSpPr>
+          <p:cNvPr id="2" name="Rectangle 1">
+            <a:extLst>
+              <a:ext uri="{FF2B5EF4-FFF2-40B4-BE49-F238E27FC236}">
+                <a16:creationId xmlns:a16="http://schemas.microsoft.com/office/drawing/2014/main" id="{ECA45483-BCC7-1895-7F65-5E429EDD319B}"/>
+              </a:ext>
+            </a:extLst>
+          </p:cNvPr>
+          <p:cNvSpPr/>
+          <p:nvPr/>
+        </p:nvSpPr>
+        <p:spPr>
+          <a:xfrm>
+            <a:off x="8556171" y="2521131"/>
+            <a:ext cx="1672046" cy="3187338"/>
+          </a:xfrm>
+          <a:prstGeom prst="rect">
+            <a:avLst/>
+          </a:prstGeom>
+          <a:noFill/>
+          <a:ln w="38100">
+            <a:solidFill>
+              <a:srgbClr val="FF0000"/>
+            </a:solidFill>
+          </a:ln>
+        </p:spPr>
+        <p:style>
+          <a:lnRef idx="2">
+            <a:schemeClr val="accent1">
+              <a:shade val="15000"/>
+            </a:schemeClr>
+          </a:lnRef>
+          <a:fillRef idx="1">
+            <a:schemeClr val="accent1"/>
+          </a:fillRef>
+          <a:effectRef idx="0">
+            <a:schemeClr val="accent1"/>
+          </a:effectRef>
+          <a:fontRef idx="minor">
+            <a:schemeClr val="lt1"/>
+          </a:fontRef>
+        </p:style>
+        <p:txBody>
+          <a:bodyPr rtlCol="0" anchor="ctr"/>
+          <a:lstStyle/>
+          <a:p>
+            <a:pPr algn="ctr"/>
+            <a:endParaRPr lang="en-US"/>
+          </a:p>
+        </p:txBody>
+      </p:sp>
+    </p:spTree>
+    <p:extLst>
+      <p:ext uri="{BB962C8B-B14F-4D97-AF65-F5344CB8AC3E}">
+        <p14:creationId xmlns:p14="http://schemas.microsoft.com/office/powerpoint/2010/main" val="4276290607"/>
+      </p:ext>
+    </p:extLst>
+  </p:cSld>
+  <p:clrMapOvr>
+    <a:masterClrMapping/>
+  </p:clrMapOvr>
+</p:sld>
+</file>
+
+<file path=ppt/slides/slide26.xml><?xml version="1.0" encoding="utf-8"?>
+<p:sld xmlns:a="http://schemas.openxmlformats.org/drawingml/2006/main" xmlns:r="http://schemas.openxmlformats.org/officeDocument/2006/relationships" xmlns:p="http://schemas.openxmlformats.org/presentationml/2006/main">
+  <p:cSld>
+    <p:spTree>
+      <p:nvGrpSpPr>
+        <p:cNvPr id="1" name=""/>
+        <p:cNvGrpSpPr/>
+        <p:nvPr/>
+      </p:nvGrpSpPr>
+      <p:grpSpPr>
+        <a:xfrm>
+          <a:off x="0" y="0"/>
+          <a:ext cx="0" cy="0"/>
+          <a:chOff x="0" y="0"/>
+          <a:chExt cx="0" cy="0"/>
+        </a:xfrm>
+      </p:grpSpPr>
+      <p:pic>
+        <p:nvPicPr>
+          <p:cNvPr id="3" name="Picture 2">
+            <a:extLst>
+              <a:ext uri="{FF2B5EF4-FFF2-40B4-BE49-F238E27FC236}">
+                <a16:creationId xmlns:a16="http://schemas.microsoft.com/office/drawing/2014/main" id="{535CAA75-E582-8281-03C4-C82DC4C7C541}"/>
+              </a:ext>
+            </a:extLst>
+          </p:cNvPr>
+          <p:cNvPicPr>
+            <a:picLocks noChangeAspect="1"/>
+          </p:cNvPicPr>
+          <p:nvPr/>
+        </p:nvPicPr>
+        <p:blipFill>
+          <a:blip r:embed="rId2"/>
+          <a:stretch>
+            <a:fillRect/>
+          </a:stretch>
+        </p:blipFill>
+        <p:spPr>
+          <a:xfrm>
+            <a:off x="2192599" y="0"/>
+            <a:ext cx="7806801" cy="6858000"/>
+          </a:xfrm>
+          <a:prstGeom prst="rect">
+            <a:avLst/>
+          </a:prstGeom>
+        </p:spPr>
+      </p:pic>
+    </p:spTree>
+    <p:extLst>
+      <p:ext uri="{BB962C8B-B14F-4D97-AF65-F5344CB8AC3E}">
+        <p14:creationId xmlns:p14="http://schemas.microsoft.com/office/powerpoint/2010/main" val="2345674673"/>
+      </p:ext>
+    </p:extLst>
+  </p:cSld>
+  <p:clrMapOvr>
+    <a:masterClrMapping/>
+  </p:clrMapOvr>
+</p:sld>
+</file>
+
+<file path=ppt/slides/slide27.xml><?xml version="1.0" encoding="utf-8"?>
+<p:sld xmlns:a="http://schemas.openxmlformats.org/drawingml/2006/main" xmlns:r="http://schemas.openxmlformats.org/officeDocument/2006/relationships" xmlns:p="http://schemas.openxmlformats.org/presentationml/2006/main">
+  <p:cSld>
+    <p:spTree>
+      <p:nvGrpSpPr>
+        <p:cNvPr id="1" name="">
+          <a:extLst>
+            <a:ext uri="{FF2B5EF4-FFF2-40B4-BE49-F238E27FC236}">
+              <a16:creationId xmlns:a16="http://schemas.microsoft.com/office/drawing/2014/main" id="{5AC73935-0403-4980-D9EF-2AD5525CB95B}"/>
+            </a:ext>
+          </a:extLst>
+        </p:cNvPr>
+        <p:cNvGrpSpPr/>
+        <p:nvPr/>
+      </p:nvGrpSpPr>
+      <p:grpSpPr>
+        <a:xfrm>
+          <a:off x="0" y="0"/>
+          <a:ext cx="0" cy="0"/>
+          <a:chOff x="0" y="0"/>
+          <a:chExt cx="0" cy="0"/>
+        </a:xfrm>
+      </p:grpSpPr>
+      <p:sp>
+        <p:nvSpPr>
+          <p:cNvPr id="2" name="Title 1">
+            <a:extLst>
+              <a:ext uri="{FF2B5EF4-FFF2-40B4-BE49-F238E27FC236}">
+                <a16:creationId xmlns:a16="http://schemas.microsoft.com/office/drawing/2014/main" id="{ACD6F158-EF09-9641-C090-8E72D5EC61BD}"/>
+              </a:ext>
+            </a:extLst>
+          </p:cNvPr>
+          <p:cNvSpPr>
+            <a:spLocks noGrp="1"/>
+          </p:cNvSpPr>
+          <p:nvPr>
+            <p:ph type="title"/>
+          </p:nvPr>
+        </p:nvSpPr>
+        <p:spPr>
+          <a:xfrm>
+            <a:off x="702734" y="164570"/>
+            <a:ext cx="10828866" cy="1325563"/>
+          </a:xfrm>
+        </p:spPr>
+        <p:txBody>
+          <a:bodyPr>
+            <a:normAutofit/>
+          </a:bodyPr>
+          <a:lstStyle/>
+          <a:p>
+            <a:r>
+              <a:rPr lang="en-US" sz="4000" dirty="0"/>
+              <a:t>Do users learn from zaps?</a:t>
+            </a:r>
+          </a:p>
+        </p:txBody>
+      </p:sp>
+      <mc:AlternateContent xmlns:mc="http://schemas.openxmlformats.org/markup-compatibility/2006">
+        <mc:Choice xmlns:a14="http://schemas.microsoft.com/office/drawing/2010/main" Requires="a14">
+          <p:sp>
+            <p:nvSpPr>
+              <p:cNvPr id="3" name="Content Placeholder 2">
+                <a:extLst>
+                  <a:ext uri="{FF2B5EF4-FFF2-40B4-BE49-F238E27FC236}">
+                    <a16:creationId xmlns:a16="http://schemas.microsoft.com/office/drawing/2014/main" id="{F5966CFF-459A-C264-ACFD-1B96AF210C3E}"/>
+                  </a:ext>
+                </a:extLst>
+              </p:cNvPr>
+              <p:cNvSpPr>
+                <a:spLocks noGrp="1"/>
+              </p:cNvSpPr>
+              <p:nvPr>
+                <p:ph idx="1"/>
+              </p:nvPr>
+            </p:nvSpPr>
+            <p:spPr>
+              <a:xfrm>
+                <a:off x="838200" y="1540933"/>
+                <a:ext cx="10515600" cy="4686830"/>
+              </a:xfrm>
+            </p:spPr>
+            <p:txBody>
+              <a:bodyPr>
+                <a:normAutofit/>
+              </a:bodyPr>
+              <a:lstStyle/>
+              <a:p>
+                <a:r>
+                  <a:rPr lang="en-US" dirty="0"/>
+                  <a:t>We test whether users who got zapped more for prior high quality posts are more likely to subsequently make high quality posts:</a:t>
+                </a:r>
+                <a:br>
+                  <a:rPr lang="en-US" dirty="0"/>
+                </a:br>
+                <a:br>
+                  <a:rPr lang="en-US" dirty="0"/>
+                </a:br>
+                <a14:m>
+                  <m:oMath xmlns:m="http://schemas.openxmlformats.org/officeDocument/2006/math">
+                    <m:sSub>
+                      <m:sSubPr>
+                        <m:ctrlPr>
+                          <a:rPr lang="en-US" b="0" i="0" smtClean="0">
+                            <a:latin typeface="Cambria Math" panose="02040503050406030204" pitchFamily="18" charset="0"/>
+                          </a:rPr>
+                        </m:ctrlPr>
+                      </m:sSubPr>
+                      <m:e>
+                        <m:r>
+                          <m:rPr>
+                            <m:sty m:val="p"/>
+                          </m:rPr>
+                          <a:rPr lang="en-US" b="0" i="0" smtClean="0">
+                            <a:latin typeface="Cambria Math" panose="02040503050406030204" pitchFamily="18" charset="0"/>
+                          </a:rPr>
+                          <m:t>HighQuality</m:t>
+                        </m:r>
+                      </m:e>
+                      <m:sub>
+                        <m:r>
+                          <a:rPr lang="en-US" b="0" i="1" smtClean="0">
+                            <a:latin typeface="Cambria Math" panose="02040503050406030204" pitchFamily="18" charset="0"/>
+                          </a:rPr>
+                          <m:t>𝑖𝑗𝑡</m:t>
+                        </m:r>
+                      </m:sub>
+                    </m:sSub>
+                    <m:r>
+                      <a:rPr lang="en-US" b="0" i="0" smtClean="0">
+                        <a:latin typeface="Cambria Math" panose="02040503050406030204" pitchFamily="18" charset="0"/>
+                      </a:rPr>
+                      <m:t>=</m:t>
+                    </m:r>
+                    <m:r>
+                      <a:rPr lang="en-US" b="0" i="1" smtClean="0">
+                        <a:latin typeface="Cambria Math" panose="02040503050406030204" pitchFamily="18" charset="0"/>
+                      </a:rPr>
+                      <m:t>𝛼</m:t>
+                    </m:r>
+                    <m:sSub>
+                      <m:sSubPr>
+                        <m:ctrlPr>
+                          <a:rPr lang="en-US" b="0" i="0" smtClean="0">
+                            <a:latin typeface="Cambria Math" panose="02040503050406030204" pitchFamily="18" charset="0"/>
+                          </a:rPr>
+                        </m:ctrlPr>
+                      </m:sSubPr>
+                      <m:e>
+                        <m:r>
+                          <m:rPr>
+                            <m:sty m:val="p"/>
+                          </m:rPr>
+                          <a:rPr lang="en-US" b="0" i="0" smtClean="0">
+                            <a:latin typeface="Cambria Math" panose="02040503050406030204" pitchFamily="18" charset="0"/>
+                          </a:rPr>
+                          <m:t>HQShare</m:t>
+                        </m:r>
+                      </m:e>
+                      <m:sub>
+                        <m:r>
+                          <a:rPr lang="en-US" b="0" i="1" smtClean="0">
+                            <a:latin typeface="Cambria Math" panose="02040503050406030204" pitchFamily="18" charset="0"/>
+                          </a:rPr>
+                          <m:t>𝑖𝑗𝑡</m:t>
+                        </m:r>
+                      </m:sub>
+                    </m:sSub>
+                    <m:r>
+                      <a:rPr lang="en-US" b="0" i="0" smtClean="0">
+                        <a:latin typeface="Cambria Math" panose="02040503050406030204" pitchFamily="18" charset="0"/>
+                      </a:rPr>
+                      <m:t>+</m:t>
+                    </m:r>
+                    <m:sSub>
+                      <m:sSubPr>
+                        <m:ctrlPr>
+                          <a:rPr lang="en-US" b="1" i="0" smtClean="0">
+                            <a:latin typeface="Cambria Math" panose="02040503050406030204" pitchFamily="18" charset="0"/>
+                          </a:rPr>
+                        </m:ctrlPr>
+                      </m:sSubPr>
+                      <m:e>
+                        <m:r>
+                          <a:rPr lang="en-US" b="1" i="0" smtClean="0">
+                            <a:latin typeface="Cambria Math" panose="02040503050406030204" pitchFamily="18" charset="0"/>
+                          </a:rPr>
+                          <m:t>𝐗</m:t>
+                        </m:r>
+                      </m:e>
+                      <m:sub>
+                        <m:r>
+                          <a:rPr lang="en-US" b="0" i="1" smtClean="0">
+                            <a:latin typeface="Cambria Math" panose="02040503050406030204" pitchFamily="18" charset="0"/>
+                          </a:rPr>
+                          <m:t>𝑖𝑗𝑡</m:t>
+                        </m:r>
+                      </m:sub>
+                    </m:sSub>
+                    <m:r>
+                      <a:rPr lang="en-US" b="0" i="1" smtClean="0">
+                        <a:latin typeface="Cambria Math" panose="02040503050406030204" pitchFamily="18" charset="0"/>
+                      </a:rPr>
+                      <m:t>𝛽</m:t>
+                    </m:r>
+                    <m:r>
+                      <a:rPr lang="en-US" b="0" i="1" smtClean="0">
+                        <a:latin typeface="Cambria Math" panose="02040503050406030204" pitchFamily="18" charset="0"/>
+                      </a:rPr>
+                      <m:t>+</m:t>
+                    </m:r>
+                    <m:sSub>
+                      <m:sSubPr>
+                        <m:ctrlPr>
+                          <a:rPr lang="en-US" b="0" i="1" smtClean="0">
+                            <a:latin typeface="Cambria Math" panose="02040503050406030204" pitchFamily="18" charset="0"/>
+                          </a:rPr>
+                        </m:ctrlPr>
+                      </m:sSubPr>
+                      <m:e>
+                        <m:r>
+                          <a:rPr lang="en-US" b="0" i="1" smtClean="0">
+                            <a:latin typeface="Cambria Math" panose="02040503050406030204" pitchFamily="18" charset="0"/>
+                          </a:rPr>
+                          <m:t>𝜖</m:t>
+                        </m:r>
+                      </m:e>
+                      <m:sub>
+                        <m:r>
+                          <a:rPr lang="en-US" b="0" i="1" smtClean="0">
+                            <a:latin typeface="Cambria Math" panose="02040503050406030204" pitchFamily="18" charset="0"/>
+                          </a:rPr>
+                          <m:t>𝑖𝑗𝑡</m:t>
+                        </m:r>
+                      </m:sub>
+                    </m:sSub>
+                  </m:oMath>
+                </a14:m>
+                <a:endParaRPr lang="en-US" dirty="0"/>
+              </a:p>
+              <a:p>
+                <a:endParaRPr lang="en-US" dirty="0"/>
+              </a:p>
+              <a:p>
+                <a:r>
+                  <a:rPr lang="en-US" dirty="0"/>
+                  <a:t>In </a:t>
+                </a:r>
+                <a14:m>
+                  <m:oMath xmlns:m="http://schemas.openxmlformats.org/officeDocument/2006/math">
+                    <m:r>
+                      <a:rPr lang="en-US" b="1" i="1" smtClean="0">
+                        <a:latin typeface="Cambria Math" panose="02040503050406030204" pitchFamily="18" charset="0"/>
+                      </a:rPr>
+                      <m:t>𝑿</m:t>
+                    </m:r>
+                  </m:oMath>
+                </a14:m>
+                <a:r>
+                  <a:rPr lang="en-US" dirty="0"/>
+                  <a:t>, we control for:</a:t>
+                </a:r>
+              </a:p>
+              <a:p>
+                <a:pPr lvl="1"/>
+                <a:r>
+                  <a:rPr lang="en-US" dirty="0"/>
+                  <a:t>Total amount of prior zaps</a:t>
+                </a:r>
+              </a:p>
+              <a:p>
+                <a:pPr lvl="1"/>
+                <a:r>
+                  <a:rPr lang="en-US" dirty="0"/>
+                  <a:t>Share of user’s prior posts that were high quality</a:t>
+                </a:r>
+              </a:p>
+              <a:p>
+                <a:pPr lvl="1"/>
+                <a:r>
+                  <a:rPr lang="en-US" dirty="0"/>
+                  <a:t>Number of prior posts</a:t>
+                </a:r>
+              </a:p>
+              <a:p>
+                <a:pPr lvl="1"/>
+                <a:r>
+                  <a:rPr lang="en-US" dirty="0"/>
+                  <a:t>Week fixed effects</a:t>
+                </a:r>
+              </a:p>
+            </p:txBody>
+          </p:sp>
+        </mc:Choice>
+        <mc:Fallback>
+          <p:sp>
+            <p:nvSpPr>
+              <p:cNvPr id="3" name="Content Placeholder 2">
+                <a:extLst>
+                  <a:ext uri="{FF2B5EF4-FFF2-40B4-BE49-F238E27FC236}">
+                    <a16:creationId xmlns:a16="http://schemas.microsoft.com/office/drawing/2014/main" id="{F5966CFF-459A-C264-ACFD-1B96AF210C3E}"/>
+                  </a:ext>
+                </a:extLst>
+              </p:cNvPr>
+              <p:cNvSpPr>
+                <a:spLocks noGrp="1" noRot="1" noChangeAspect="1" noMove="1" noResize="1" noEditPoints="1" noAdjustHandles="1" noChangeArrowheads="1" noChangeShapeType="1" noTextEdit="1"/>
+              </p:cNvSpPr>
+              <p:nvPr>
+                <p:ph idx="1"/>
+              </p:nvPr>
+            </p:nvSpPr>
+            <p:spPr>
+              <a:xfrm>
+                <a:off x="838200" y="1540933"/>
+                <a:ext cx="10515600" cy="4686830"/>
+              </a:xfrm>
+              <a:blipFill>
+                <a:blip r:embed="rId3"/>
+                <a:stretch>
+                  <a:fillRect l="-1043" t="-2341"/>
+                </a:stretch>
+              </a:blipFill>
+            </p:spPr>
+            <p:txBody>
+              <a:bodyPr/>
+              <a:lstStyle/>
+              <a:p>
+                <a:r>
+                  <a:rPr lang="en-US">
+                    <a:noFill/>
+                  </a:rPr>
+                  <a:t> </a:t>
+                </a:r>
+              </a:p>
+            </p:txBody>
+          </p:sp>
+        </mc:Fallback>
+      </mc:AlternateContent>
+    </p:spTree>
+    <p:extLst>
+      <p:ext uri="{BB962C8B-B14F-4D97-AF65-F5344CB8AC3E}">
+        <p14:creationId xmlns:p14="http://schemas.microsoft.com/office/powerpoint/2010/main" val="3474828145"/>
+      </p:ext>
+    </p:extLst>
+  </p:cSld>
+  <p:clrMapOvr>
+    <a:masterClrMapping/>
+  </p:clrMapOvr>
+</p:sld>
+</file>
+
+<file path=ppt/slides/slide28.xml><?xml version="1.0" encoding="utf-8"?>
+<p:sld xmlns:a="http://schemas.openxmlformats.org/drawingml/2006/main" xmlns:r="http://schemas.openxmlformats.org/officeDocument/2006/relationships" xmlns:p="http://schemas.openxmlformats.org/presentationml/2006/main">
+  <p:cSld>
+    <p:spTree>
+      <p:nvGrpSpPr>
+        <p:cNvPr id="1" name="">
+          <a:extLst>
+            <a:ext uri="{FF2B5EF4-FFF2-40B4-BE49-F238E27FC236}">
+              <a16:creationId xmlns:a16="http://schemas.microsoft.com/office/drawing/2014/main" id="{972C54A8-5542-7D9D-784A-9E2716AA3A60}"/>
+            </a:ext>
+          </a:extLst>
+        </p:cNvPr>
+        <p:cNvGrpSpPr/>
+        <p:nvPr/>
+      </p:nvGrpSpPr>
+      <p:grpSpPr>
+        <a:xfrm>
+          <a:off x="0" y="0"/>
+          <a:ext cx="0" cy="0"/>
+          <a:chOff x="0" y="0"/>
+          <a:chExt cx="0" cy="0"/>
+        </a:xfrm>
+      </p:grpSpPr>
+      <p:sp>
+        <p:nvSpPr>
+          <p:cNvPr id="2" name="Title 1">
+            <a:extLst>
+              <a:ext uri="{FF2B5EF4-FFF2-40B4-BE49-F238E27FC236}">
+                <a16:creationId xmlns:a16="http://schemas.microsoft.com/office/drawing/2014/main" id="{0011DEA3-D1F4-F0DF-C810-E0FCCEE66064}"/>
+              </a:ext>
+            </a:extLst>
+          </p:cNvPr>
+          <p:cNvSpPr>
+            <a:spLocks noGrp="1"/>
+          </p:cNvSpPr>
+          <p:nvPr>
+            <p:ph type="title"/>
+          </p:nvPr>
+        </p:nvSpPr>
+        <p:spPr>
+          <a:xfrm>
+            <a:off x="702734" y="164570"/>
+            <a:ext cx="10828866" cy="1325563"/>
+          </a:xfrm>
+        </p:spPr>
+        <p:txBody>
+          <a:bodyPr>
+            <a:normAutofit/>
+          </a:bodyPr>
+          <a:lstStyle/>
+          <a:p>
+            <a:r>
+              <a:rPr lang="en-US" sz="4000" dirty="0"/>
+              <a:t>Value-for-value and Content Quality</a:t>
+            </a:r>
+          </a:p>
+        </p:txBody>
+      </p:sp>
+      <p:sp>
+        <p:nvSpPr>
+          <p:cNvPr id="3" name="Content Placeholder 2">
+            <a:extLst>
+              <a:ext uri="{FF2B5EF4-FFF2-40B4-BE49-F238E27FC236}">
+                <a16:creationId xmlns:a16="http://schemas.microsoft.com/office/drawing/2014/main" id="{66F89808-AC1F-9FA0-DC88-EF2B66AE0766}"/>
+              </a:ext>
+            </a:extLst>
+          </p:cNvPr>
+          <p:cNvSpPr>
+            <a:spLocks noGrp="1"/>
+          </p:cNvSpPr>
+          <p:nvPr>
+            <p:ph idx="1"/>
+          </p:nvPr>
+        </p:nvSpPr>
+        <p:spPr>
+          <a:xfrm>
+            <a:off x="838200" y="1540933"/>
+            <a:ext cx="10515600" cy="4686830"/>
+          </a:xfrm>
+        </p:spPr>
+        <p:txBody>
+          <a:bodyPr>
+            <a:normAutofit/>
+          </a:bodyPr>
+          <a:lstStyle/>
+          <a:p>
+            <a:r>
+              <a:rPr lang="en-US" dirty="0"/>
+              <a:t>The prevalence of high quality posts is growing over time on SN</a:t>
+            </a:r>
+          </a:p>
+          <a:p>
+            <a:endParaRPr lang="en-US" dirty="0"/>
+          </a:p>
+          <a:p>
+            <a:r>
+              <a:rPr lang="en-US" dirty="0"/>
+              <a:t>Users who have previously earned more on high quality posts are more likely to subsequently make high quality posts (even while controlling for previous posting history)</a:t>
+            </a:r>
+          </a:p>
+          <a:p>
+            <a:endParaRPr lang="en-US" dirty="0"/>
+          </a:p>
+          <a:p>
+            <a:r>
+              <a:rPr lang="en-US" dirty="0"/>
+              <a:t>Evidence of learning about preferences and the tailoring of content to what other users like</a:t>
+            </a:r>
+          </a:p>
+        </p:txBody>
+      </p:sp>
+    </p:spTree>
+    <p:extLst>
+      <p:ext uri="{BB962C8B-B14F-4D97-AF65-F5344CB8AC3E}">
+        <p14:creationId xmlns:p14="http://schemas.microsoft.com/office/powerpoint/2010/main" val="879424483"/>
+      </p:ext>
+    </p:extLst>
+  </p:cSld>
+  <p:clrMapOvr>
+    <a:masterClrMapping/>
+  </p:clrMapOvr>
+</p:sld>
+</file>
+
+<file path=ppt/slides/slide29.xml><?xml version="1.0" encoding="utf-8"?>
+<p:sld xmlns:a="http://schemas.openxmlformats.org/drawingml/2006/main" xmlns:r="http://schemas.openxmlformats.org/officeDocument/2006/relationships" xmlns:p="http://schemas.openxmlformats.org/presentationml/2006/main">
+  <p:cSld>
+    <p:spTree>
+      <p:nvGrpSpPr>
+        <p:cNvPr id="1" name=""/>
+        <p:cNvGrpSpPr/>
+        <p:nvPr/>
+      </p:nvGrpSpPr>
+      <p:grpSpPr>
+        <a:xfrm>
+          <a:off x="0" y="0"/>
+          <a:ext cx="0" cy="0"/>
+          <a:chOff x="0" y="0"/>
+          <a:chExt cx="0" cy="0"/>
+        </a:xfrm>
+      </p:grpSpPr>
+      <p:pic>
+        <p:nvPicPr>
+          <p:cNvPr id="3" name="Picture 2">
+            <a:extLst>
+              <a:ext uri="{FF2B5EF4-FFF2-40B4-BE49-F238E27FC236}">
+                <a16:creationId xmlns:a16="http://schemas.microsoft.com/office/drawing/2014/main" id="{69ADB677-6988-DC84-0B81-00FB83686D20}"/>
+              </a:ext>
+            </a:extLst>
+          </p:cNvPr>
+          <p:cNvPicPr>
+            <a:picLocks noChangeAspect="1"/>
+          </p:cNvPicPr>
+          <p:nvPr/>
+        </p:nvPicPr>
+        <p:blipFill>
+          <a:blip r:embed="rId3"/>
+          <a:stretch>
+            <a:fillRect/>
+          </a:stretch>
+        </p:blipFill>
+        <p:spPr>
+          <a:xfrm>
+            <a:off x="2183002" y="0"/>
+            <a:ext cx="7825995" cy="6858000"/>
+          </a:xfrm>
+          <a:prstGeom prst="rect">
+            <a:avLst/>
+          </a:prstGeom>
+        </p:spPr>
+      </p:pic>
+    </p:spTree>
+    <p:extLst>
+      <p:ext uri="{BB962C8B-B14F-4D97-AF65-F5344CB8AC3E}">
+        <p14:creationId xmlns:p14="http://schemas.microsoft.com/office/powerpoint/2010/main" val="4158341135"/>
       </p:ext>
     </p:extLst>
   </p:cSld>
@@ -5593,6 +9441,664 @@
     <p:extLst>
       <p:ext uri="{BB962C8B-B14F-4D97-AF65-F5344CB8AC3E}">
         <p14:creationId xmlns:p14="http://schemas.microsoft.com/office/powerpoint/2010/main" val="4014670240"/>
+      </p:ext>
+    </p:extLst>
+  </p:cSld>
+  <p:clrMapOvr>
+    <a:masterClrMapping/>
+  </p:clrMapOvr>
+</p:sld>
+</file>
+
+<file path=ppt/slides/slide30.xml><?xml version="1.0" encoding="utf-8"?>
+<p:sld xmlns:a="http://schemas.openxmlformats.org/drawingml/2006/main" xmlns:r="http://schemas.openxmlformats.org/officeDocument/2006/relationships" xmlns:p="http://schemas.openxmlformats.org/presentationml/2006/main">
+  <p:cSld>
+    <p:spTree>
+      <p:nvGrpSpPr>
+        <p:cNvPr id="1" name="">
+          <a:extLst>
+            <a:ext uri="{FF2B5EF4-FFF2-40B4-BE49-F238E27FC236}">
+              <a16:creationId xmlns:a16="http://schemas.microsoft.com/office/drawing/2014/main" id="{1BBC8D60-60CC-07AE-E563-60382902C5C1}"/>
+            </a:ext>
+          </a:extLst>
+        </p:cNvPr>
+        <p:cNvGrpSpPr/>
+        <p:nvPr/>
+      </p:nvGrpSpPr>
+      <p:grpSpPr>
+        <a:xfrm>
+          <a:off x="0" y="0"/>
+          <a:ext cx="0" cy="0"/>
+          <a:chOff x="0" y="0"/>
+          <a:chExt cx="0" cy="0"/>
+        </a:xfrm>
+      </p:grpSpPr>
+      <p:sp>
+        <p:nvSpPr>
+          <p:cNvPr id="2" name="Title 1">
+            <a:extLst>
+              <a:ext uri="{FF2B5EF4-FFF2-40B4-BE49-F238E27FC236}">
+                <a16:creationId xmlns:a16="http://schemas.microsoft.com/office/drawing/2014/main" id="{921E45A0-C23B-C6C5-A75F-1DEB418A0049}"/>
+              </a:ext>
+            </a:extLst>
+          </p:cNvPr>
+          <p:cNvSpPr>
+            <a:spLocks noGrp="1"/>
+          </p:cNvSpPr>
+          <p:nvPr>
+            <p:ph type="title"/>
+          </p:nvPr>
+        </p:nvSpPr>
+        <p:spPr>
+          <a:xfrm>
+            <a:off x="702734" y="164570"/>
+            <a:ext cx="10828866" cy="1325563"/>
+          </a:xfrm>
+        </p:spPr>
+        <p:txBody>
+          <a:bodyPr>
+            <a:normAutofit/>
+          </a:bodyPr>
+          <a:lstStyle/>
+          <a:p>
+            <a:r>
+              <a:rPr lang="en-US" sz="4000" dirty="0"/>
+              <a:t>Profitability and User Retention</a:t>
+            </a:r>
+          </a:p>
+        </p:txBody>
+      </p:sp>
+      <mc:AlternateContent xmlns:mc="http://schemas.openxmlformats.org/markup-compatibility/2006">
+        <mc:Choice xmlns:a14="http://schemas.microsoft.com/office/drawing/2010/main" Requires="a14">
+          <p:sp>
+            <p:nvSpPr>
+              <p:cNvPr id="3" name="Content Placeholder 2">
+                <a:extLst>
+                  <a:ext uri="{FF2B5EF4-FFF2-40B4-BE49-F238E27FC236}">
+                    <a16:creationId xmlns:a16="http://schemas.microsoft.com/office/drawing/2014/main" id="{D6C794A8-13DF-94EE-A376-EF983A96C103}"/>
+                  </a:ext>
+                </a:extLst>
+              </p:cNvPr>
+              <p:cNvSpPr>
+                <a:spLocks noGrp="1"/>
+              </p:cNvSpPr>
+              <p:nvPr>
+                <p:ph idx="1"/>
+              </p:nvPr>
+            </p:nvSpPr>
+            <p:spPr>
+              <a:xfrm>
+                <a:off x="838200" y="1540933"/>
+                <a:ext cx="10515600" cy="4686830"/>
+              </a:xfrm>
+            </p:spPr>
+            <p:txBody>
+              <a:bodyPr>
+                <a:normAutofit/>
+              </a:bodyPr>
+              <a:lstStyle/>
+              <a:p>
+                <a:r>
+                  <a:rPr lang="en-US" dirty="0"/>
+                  <a:t>Hypothesis: Unprofitable users are more likely to leave the platform, and profitable users are more likely to stay</a:t>
+                </a:r>
+              </a:p>
+              <a:p>
+                <a:endParaRPr lang="en-US" dirty="0"/>
+              </a:p>
+              <a:p>
+                <a:r>
+                  <a:rPr lang="en-US" dirty="0"/>
+                  <a:t>We estimate probability of going inactive (defined as 4+ consecutive weeks of inactivity) as a function of profitability over the last 8 weeks, and growth in the bitcoin price:</a:t>
+                </a:r>
+                <a:br>
+                  <a:rPr lang="en-US" dirty="0"/>
+                </a:br>
+                <a:br>
+                  <a:rPr lang="en-US" dirty="0"/>
+                </a:br>
+                <a14:m>
+                  <m:oMath xmlns:m="http://schemas.openxmlformats.org/officeDocument/2006/math">
+                    <m:sSub>
+                      <m:sSubPr>
+                        <m:ctrlPr>
+                          <a:rPr lang="en-US" b="0" i="0" smtClean="0">
+                            <a:latin typeface="Cambria Math" panose="02040503050406030204" pitchFamily="18" charset="0"/>
+                          </a:rPr>
+                        </m:ctrlPr>
+                      </m:sSubPr>
+                      <m:e>
+                        <m:r>
+                          <m:rPr>
+                            <m:sty m:val="p"/>
+                          </m:rPr>
+                          <a:rPr lang="en-US" b="0" i="0" smtClean="0">
+                            <a:latin typeface="Cambria Math" panose="02040503050406030204" pitchFamily="18" charset="0"/>
+                          </a:rPr>
+                          <m:t>Inactive</m:t>
+                        </m:r>
+                      </m:e>
+                      <m:sub>
+                        <m:r>
+                          <a:rPr lang="en-US" b="0" i="1" smtClean="0">
+                            <a:latin typeface="Cambria Math" panose="02040503050406030204" pitchFamily="18" charset="0"/>
+                          </a:rPr>
+                          <m:t>𝑖𝑡</m:t>
+                        </m:r>
+                      </m:sub>
+                    </m:sSub>
+                    <m:r>
+                      <a:rPr lang="en-US" b="0" i="1" smtClean="0">
+                        <a:latin typeface="Cambria Math" panose="02040503050406030204" pitchFamily="18" charset="0"/>
+                      </a:rPr>
+                      <m:t>=</m:t>
+                    </m:r>
+                    <m:r>
+                      <a:rPr lang="en-US" b="0" i="1" smtClean="0">
+                        <a:latin typeface="Cambria Math" panose="02040503050406030204" pitchFamily="18" charset="0"/>
+                      </a:rPr>
+                      <m:t>𝛼</m:t>
+                    </m:r>
+                    <m:sSub>
+                      <m:sSubPr>
+                        <m:ctrlPr>
+                          <a:rPr lang="en-US" b="0" i="0" smtClean="0">
+                            <a:latin typeface="Cambria Math" panose="02040503050406030204" pitchFamily="18" charset="0"/>
+                          </a:rPr>
+                        </m:ctrlPr>
+                      </m:sSubPr>
+                      <m:e>
+                        <m:r>
+                          <m:rPr>
+                            <m:sty m:val="p"/>
+                          </m:rPr>
+                          <a:rPr lang="en-US" b="0" i="0" smtClean="0">
+                            <a:latin typeface="Cambria Math" panose="02040503050406030204" pitchFamily="18" charset="0"/>
+                          </a:rPr>
+                          <m:t>Unprofitable</m:t>
+                        </m:r>
+                      </m:e>
+                      <m:sub>
+                        <m:r>
+                          <a:rPr lang="en-US" b="0" i="1" smtClean="0">
+                            <a:latin typeface="Cambria Math" panose="02040503050406030204" pitchFamily="18" charset="0"/>
+                          </a:rPr>
+                          <m:t>𝑖𝑡</m:t>
+                        </m:r>
+                      </m:sub>
+                    </m:sSub>
+                    <m:r>
+                      <a:rPr lang="en-US" b="0" i="1" smtClean="0">
+                        <a:latin typeface="Cambria Math" panose="02040503050406030204" pitchFamily="18" charset="0"/>
+                      </a:rPr>
+                      <m:t>+</m:t>
+                    </m:r>
+                    <m:r>
+                      <a:rPr lang="en-US" b="0" i="1" smtClean="0">
+                        <a:latin typeface="Cambria Math" panose="02040503050406030204" pitchFamily="18" charset="0"/>
+                      </a:rPr>
+                      <m:t>𝛽</m:t>
+                    </m:r>
+                    <m:sSub>
+                      <m:sSubPr>
+                        <m:ctrlPr>
+                          <a:rPr lang="en-US" b="0" i="0" smtClean="0">
+                            <a:latin typeface="Cambria Math" panose="02040503050406030204" pitchFamily="18" charset="0"/>
+                          </a:rPr>
+                        </m:ctrlPr>
+                      </m:sSubPr>
+                      <m:e>
+                        <m:r>
+                          <m:rPr>
+                            <m:sty m:val="p"/>
+                          </m:rPr>
+                          <a:rPr lang="en-US" b="0" i="0" smtClean="0">
+                            <a:latin typeface="Cambria Math" panose="02040503050406030204" pitchFamily="18" charset="0"/>
+                          </a:rPr>
+                          <m:t>Unprofitable</m:t>
+                        </m:r>
+                      </m:e>
+                      <m:sub>
+                        <m:r>
+                          <a:rPr lang="en-US" b="0" i="1" smtClean="0">
+                            <a:latin typeface="Cambria Math" panose="02040503050406030204" pitchFamily="18" charset="0"/>
+                          </a:rPr>
+                          <m:t>𝑖𝑡</m:t>
+                        </m:r>
+                      </m:sub>
+                    </m:sSub>
+                    <m:r>
+                      <a:rPr lang="en-US" b="0" i="1" smtClean="0">
+                        <a:latin typeface="Cambria Math" panose="02040503050406030204" pitchFamily="18" charset="0"/>
+                      </a:rPr>
+                      <m:t>×</m:t>
+                    </m:r>
+                    <m:sSub>
+                      <m:sSubPr>
+                        <m:ctrlPr>
+                          <a:rPr lang="en-US" b="0" i="0" smtClean="0">
+                            <a:latin typeface="Cambria Math" panose="02040503050406030204" pitchFamily="18" charset="0"/>
+                          </a:rPr>
+                        </m:ctrlPr>
+                      </m:sSubPr>
+                      <m:e>
+                        <m:r>
+                          <m:rPr>
+                            <m:sty m:val="p"/>
+                          </m:rPr>
+                          <a:rPr lang="en-US" b="0" i="0" smtClean="0">
+                            <a:latin typeface="Cambria Math" panose="02040503050406030204" pitchFamily="18" charset="0"/>
+                          </a:rPr>
+                          <m:t>Growth</m:t>
+                        </m:r>
+                      </m:e>
+                      <m:sub>
+                        <m:r>
+                          <a:rPr lang="en-US" b="0" i="1" smtClean="0">
+                            <a:latin typeface="Cambria Math" panose="02040503050406030204" pitchFamily="18" charset="0"/>
+                          </a:rPr>
+                          <m:t>𝑡</m:t>
+                        </m:r>
+                      </m:sub>
+                    </m:sSub>
+                  </m:oMath>
+                </a14:m>
+                <a:br>
+                  <a:rPr lang="en-US" b="0" dirty="0"/>
+                </a:br>
+                <a14:m>
+                  <m:oMath xmlns:m="http://schemas.openxmlformats.org/officeDocument/2006/math">
+                    <m:r>
+                      <a:rPr lang="en-US" b="0" i="0" smtClean="0">
+                        <a:latin typeface="Cambria Math" panose="02040503050406030204" pitchFamily="18" charset="0"/>
+                      </a:rPr>
+                      <m:t>                         </m:t>
+                    </m:r>
+                    <m:r>
+                      <a:rPr lang="en-US" b="0" i="1" smtClean="0">
+                        <a:latin typeface="Cambria Math" panose="02040503050406030204" pitchFamily="18" charset="0"/>
+                      </a:rPr>
+                      <m:t> +</m:t>
+                    </m:r>
+                    <m:sSub>
+                      <m:sSubPr>
+                        <m:ctrlPr>
+                          <a:rPr lang="en-US" b="0" i="1" smtClean="0">
+                            <a:latin typeface="Cambria Math" panose="02040503050406030204" pitchFamily="18" charset="0"/>
+                          </a:rPr>
+                        </m:ctrlPr>
+                      </m:sSubPr>
+                      <m:e>
+                        <m:r>
+                          <a:rPr lang="en-US" b="0" i="1" smtClean="0">
+                            <a:latin typeface="Cambria Math" panose="02040503050406030204" pitchFamily="18" charset="0"/>
+                          </a:rPr>
+                          <m:t>𝛾</m:t>
+                        </m:r>
+                      </m:e>
+                      <m:sub>
+                        <m:r>
+                          <a:rPr lang="en-US" b="0" i="1" smtClean="0">
+                            <a:latin typeface="Cambria Math" panose="02040503050406030204" pitchFamily="18" charset="0"/>
+                          </a:rPr>
+                          <m:t>𝑡</m:t>
+                        </m:r>
+                      </m:sub>
+                    </m:sSub>
+                    <m:r>
+                      <a:rPr lang="en-US" b="0" i="1" smtClean="0">
+                        <a:latin typeface="Cambria Math" panose="02040503050406030204" pitchFamily="18" charset="0"/>
+                      </a:rPr>
+                      <m:t>+</m:t>
+                    </m:r>
+                    <m:sSub>
+                      <m:sSubPr>
+                        <m:ctrlPr>
+                          <a:rPr lang="en-US" b="0" i="1" smtClean="0">
+                            <a:latin typeface="Cambria Math" panose="02040503050406030204" pitchFamily="18" charset="0"/>
+                          </a:rPr>
+                        </m:ctrlPr>
+                      </m:sSubPr>
+                      <m:e>
+                        <m:r>
+                          <a:rPr lang="en-US" b="0" i="1" smtClean="0">
+                            <a:latin typeface="Cambria Math" panose="02040503050406030204" pitchFamily="18" charset="0"/>
+                          </a:rPr>
+                          <m:t>𝜖</m:t>
+                        </m:r>
+                      </m:e>
+                      <m:sub>
+                        <m:r>
+                          <a:rPr lang="en-US" b="0" i="1" smtClean="0">
+                            <a:latin typeface="Cambria Math" panose="02040503050406030204" pitchFamily="18" charset="0"/>
+                          </a:rPr>
+                          <m:t>𝑖𝑡</m:t>
+                        </m:r>
+                      </m:sub>
+                    </m:sSub>
+                  </m:oMath>
+                </a14:m>
+                <a:endParaRPr lang="en-US" dirty="0"/>
+              </a:p>
+            </p:txBody>
+          </p:sp>
+        </mc:Choice>
+        <mc:Fallback>
+          <p:sp>
+            <p:nvSpPr>
+              <p:cNvPr id="3" name="Content Placeholder 2">
+                <a:extLst>
+                  <a:ext uri="{FF2B5EF4-FFF2-40B4-BE49-F238E27FC236}">
+                    <a16:creationId xmlns:a16="http://schemas.microsoft.com/office/drawing/2014/main" id="{D6C794A8-13DF-94EE-A376-EF983A96C103}"/>
+                  </a:ext>
+                </a:extLst>
+              </p:cNvPr>
+              <p:cNvSpPr>
+                <a:spLocks noGrp="1" noRot="1" noChangeAspect="1" noMove="1" noResize="1" noEditPoints="1" noAdjustHandles="1" noChangeArrowheads="1" noChangeShapeType="1" noTextEdit="1"/>
+              </p:cNvSpPr>
+              <p:nvPr>
+                <p:ph idx="1"/>
+              </p:nvPr>
+            </p:nvSpPr>
+            <p:spPr>
+              <a:xfrm>
+                <a:off x="838200" y="1540933"/>
+                <a:ext cx="10515600" cy="4686830"/>
+              </a:xfrm>
+              <a:blipFill>
+                <a:blip r:embed="rId3"/>
+                <a:stretch>
+                  <a:fillRect l="-1043" t="-2341"/>
+                </a:stretch>
+              </a:blipFill>
+            </p:spPr>
+            <p:txBody>
+              <a:bodyPr/>
+              <a:lstStyle/>
+              <a:p>
+                <a:r>
+                  <a:rPr lang="en-US">
+                    <a:noFill/>
+                  </a:rPr>
+                  <a:t> </a:t>
+                </a:r>
+              </a:p>
+            </p:txBody>
+          </p:sp>
+        </mc:Fallback>
+      </mc:AlternateContent>
+    </p:spTree>
+    <p:extLst>
+      <p:ext uri="{BB962C8B-B14F-4D97-AF65-F5344CB8AC3E}">
+        <p14:creationId xmlns:p14="http://schemas.microsoft.com/office/powerpoint/2010/main" val="3202268740"/>
+      </p:ext>
+    </p:extLst>
+  </p:cSld>
+  <p:clrMapOvr>
+    <a:masterClrMapping/>
+  </p:clrMapOvr>
+</p:sld>
+</file>
+
+<file path=ppt/slides/slide31.xml><?xml version="1.0" encoding="utf-8"?>
+<p:sld xmlns:a="http://schemas.openxmlformats.org/drawingml/2006/main" xmlns:r="http://schemas.openxmlformats.org/officeDocument/2006/relationships" xmlns:p="http://schemas.openxmlformats.org/presentationml/2006/main">
+  <p:cSld>
+    <p:spTree>
+      <p:nvGrpSpPr>
+        <p:cNvPr id="1" name=""/>
+        <p:cNvGrpSpPr/>
+        <p:nvPr/>
+      </p:nvGrpSpPr>
+      <p:grpSpPr>
+        <a:xfrm>
+          <a:off x="0" y="0"/>
+          <a:ext cx="0" cy="0"/>
+          <a:chOff x="0" y="0"/>
+          <a:chExt cx="0" cy="0"/>
+        </a:xfrm>
+      </p:grpSpPr>
+      <p:pic>
+        <p:nvPicPr>
+          <p:cNvPr id="3" name="Picture 2">
+            <a:extLst>
+              <a:ext uri="{FF2B5EF4-FFF2-40B4-BE49-F238E27FC236}">
+                <a16:creationId xmlns:a16="http://schemas.microsoft.com/office/drawing/2014/main" id="{B6F1A90A-0D01-E018-9EBD-09E267115F89}"/>
+              </a:ext>
+            </a:extLst>
+          </p:cNvPr>
+          <p:cNvPicPr>
+            <a:picLocks noChangeAspect="1"/>
+          </p:cNvPicPr>
+          <p:nvPr/>
+        </p:nvPicPr>
+        <p:blipFill>
+          <a:blip r:embed="rId3"/>
+          <a:stretch>
+            <a:fillRect/>
+          </a:stretch>
+        </p:blipFill>
+        <p:spPr>
+          <a:xfrm>
+            <a:off x="1542414" y="294837"/>
+            <a:ext cx="9107171" cy="6268325"/>
+          </a:xfrm>
+          <a:prstGeom prst="rect">
+            <a:avLst/>
+          </a:prstGeom>
+        </p:spPr>
+      </p:pic>
+    </p:spTree>
+    <p:extLst>
+      <p:ext uri="{BB962C8B-B14F-4D97-AF65-F5344CB8AC3E}">
+        <p14:creationId xmlns:p14="http://schemas.microsoft.com/office/powerpoint/2010/main" val="2687469142"/>
+      </p:ext>
+    </p:extLst>
+  </p:cSld>
+  <p:clrMapOvr>
+    <a:masterClrMapping/>
+  </p:clrMapOvr>
+</p:sld>
+</file>
+
+<file path=ppt/slides/slide32.xml><?xml version="1.0" encoding="utf-8"?>
+<p:sld xmlns:a="http://schemas.openxmlformats.org/drawingml/2006/main" xmlns:r="http://schemas.openxmlformats.org/officeDocument/2006/relationships" xmlns:p="http://schemas.openxmlformats.org/presentationml/2006/main">
+  <p:cSld>
+    <p:spTree>
+      <p:nvGrpSpPr>
+        <p:cNvPr id="1" name="">
+          <a:extLst>
+            <a:ext uri="{FF2B5EF4-FFF2-40B4-BE49-F238E27FC236}">
+              <a16:creationId xmlns:a16="http://schemas.microsoft.com/office/drawing/2014/main" id="{6BB88F5A-E405-B1C3-38B4-843BC1609DC8}"/>
+            </a:ext>
+          </a:extLst>
+        </p:cNvPr>
+        <p:cNvGrpSpPr/>
+        <p:nvPr/>
+      </p:nvGrpSpPr>
+      <p:grpSpPr>
+        <a:xfrm>
+          <a:off x="0" y="0"/>
+          <a:ext cx="0" cy="0"/>
+          <a:chOff x="0" y="0"/>
+          <a:chExt cx="0" cy="0"/>
+        </a:xfrm>
+      </p:grpSpPr>
+      <p:sp>
+        <p:nvSpPr>
+          <p:cNvPr id="2" name="Title 1">
+            <a:extLst>
+              <a:ext uri="{FF2B5EF4-FFF2-40B4-BE49-F238E27FC236}">
+                <a16:creationId xmlns:a16="http://schemas.microsoft.com/office/drawing/2014/main" id="{CD987DE7-251E-5D67-51ED-F84743CB0C41}"/>
+              </a:ext>
+            </a:extLst>
+          </p:cNvPr>
+          <p:cNvSpPr>
+            <a:spLocks noGrp="1"/>
+          </p:cNvSpPr>
+          <p:nvPr>
+            <p:ph type="title"/>
+          </p:nvPr>
+        </p:nvSpPr>
+        <p:spPr>
+          <a:xfrm>
+            <a:off x="702734" y="164570"/>
+            <a:ext cx="10828866" cy="1325563"/>
+          </a:xfrm>
+        </p:spPr>
+        <p:txBody>
+          <a:bodyPr>
+            <a:normAutofit/>
+          </a:bodyPr>
+          <a:lstStyle/>
+          <a:p>
+            <a:r>
+              <a:rPr lang="en-US" sz="4000" dirty="0"/>
+              <a:t>Conclusion</a:t>
+            </a:r>
+          </a:p>
+        </p:txBody>
+      </p:sp>
+      <p:sp>
+        <p:nvSpPr>
+          <p:cNvPr id="3" name="Content Placeholder 2">
+            <a:extLst>
+              <a:ext uri="{FF2B5EF4-FFF2-40B4-BE49-F238E27FC236}">
+                <a16:creationId xmlns:a16="http://schemas.microsoft.com/office/drawing/2014/main" id="{5C303663-BF59-2FB9-45ED-D311660749E8}"/>
+              </a:ext>
+            </a:extLst>
+          </p:cNvPr>
+          <p:cNvSpPr>
+            <a:spLocks noGrp="1"/>
+          </p:cNvSpPr>
+          <p:nvPr>
+            <p:ph idx="1"/>
+          </p:nvPr>
+        </p:nvSpPr>
+        <p:spPr>
+          <a:xfrm>
+            <a:off x="838200" y="1540933"/>
+            <a:ext cx="10515600" cy="4686830"/>
+          </a:xfrm>
+        </p:spPr>
+        <p:txBody>
+          <a:bodyPr>
+            <a:normAutofit lnSpcReduction="10000"/>
+          </a:bodyPr>
+          <a:lstStyle/>
+          <a:p>
+            <a:r>
+              <a:rPr lang="en-US" dirty="0"/>
+              <a:t>We found evidence of all three of our hypotheses:</a:t>
+            </a:r>
+          </a:p>
+          <a:p>
+            <a:pPr marL="914400" lvl="1" indent="-457200">
+              <a:buFont typeface="+mj-lt"/>
+              <a:buAutoNum type="arabicPeriod"/>
+            </a:pPr>
+            <a:r>
+              <a:rPr lang="en-US" sz="2800" dirty="0"/>
+              <a:t>Higher posting fees leads to higher quality posts but fewer posts</a:t>
+            </a:r>
+          </a:p>
+          <a:p>
+            <a:pPr marL="914400" lvl="1" indent="-457200">
+              <a:buFont typeface="+mj-lt"/>
+              <a:buAutoNum type="arabicPeriod"/>
+            </a:pPr>
+            <a:r>
+              <a:rPr lang="en-US" sz="2800" dirty="0"/>
+              <a:t>Tipping incentivizes users to learn what posts other users like and make those kinds of posts</a:t>
+            </a:r>
+          </a:p>
+          <a:p>
+            <a:pPr marL="914400" lvl="1" indent="-457200">
+              <a:buFont typeface="+mj-lt"/>
+              <a:buAutoNum type="arabicPeriod"/>
+            </a:pPr>
+            <a:r>
+              <a:rPr lang="en-US" sz="2800" dirty="0"/>
+              <a:t>Unprofitable users are more likely to leave the platform, profitable users are more likely to stay. (This should increase the quality of the userbase over time.)</a:t>
+            </a:r>
+          </a:p>
+          <a:p>
+            <a:pPr marL="914400" lvl="1" indent="-457200">
+              <a:buFont typeface="+mj-lt"/>
+              <a:buAutoNum type="arabicPeriod"/>
+            </a:pPr>
+            <a:endParaRPr lang="en-US" sz="2800" dirty="0"/>
+          </a:p>
+          <a:p>
+            <a:r>
+              <a:rPr lang="en-US" dirty="0"/>
+              <a:t>Results suggest that financial micro-incentives can improve the quality of internet discourse. Suggests a positive use-case of Bitcoin and the Lightning Network</a:t>
+            </a:r>
+          </a:p>
+        </p:txBody>
+      </p:sp>
+    </p:spTree>
+    <p:extLst>
+      <p:ext uri="{BB962C8B-B14F-4D97-AF65-F5344CB8AC3E}">
+        <p14:creationId xmlns:p14="http://schemas.microsoft.com/office/powerpoint/2010/main" val="2385304782"/>
+      </p:ext>
+    </p:extLst>
+  </p:cSld>
+  <p:clrMapOvr>
+    <a:masterClrMapping/>
+  </p:clrMapOvr>
+</p:sld>
+</file>
+
+<file path=ppt/slides/slide33.xml><?xml version="1.0" encoding="utf-8"?>
+<p:sld xmlns:a="http://schemas.openxmlformats.org/drawingml/2006/main" xmlns:r="http://schemas.openxmlformats.org/officeDocument/2006/relationships" xmlns:p="http://schemas.openxmlformats.org/presentationml/2006/main">
+  <p:cSld>
+    <p:spTree>
+      <p:nvGrpSpPr>
+        <p:cNvPr id="1" name=""/>
+        <p:cNvGrpSpPr/>
+        <p:nvPr/>
+      </p:nvGrpSpPr>
+      <p:grpSpPr>
+        <a:xfrm>
+          <a:off x="0" y="0"/>
+          <a:ext cx="0" cy="0"/>
+          <a:chOff x="0" y="0"/>
+          <a:chExt cx="0" cy="0"/>
+        </a:xfrm>
+      </p:grpSpPr>
+      <p:sp>
+        <p:nvSpPr>
+          <p:cNvPr id="2" name="Title 1">
+            <a:extLst>
+              <a:ext uri="{FF2B5EF4-FFF2-40B4-BE49-F238E27FC236}">
+                <a16:creationId xmlns:a16="http://schemas.microsoft.com/office/drawing/2014/main" id="{4D56950F-32BD-6303-CD6C-48124BA40998}"/>
+              </a:ext>
+            </a:extLst>
+          </p:cNvPr>
+          <p:cNvSpPr>
+            <a:spLocks noGrp="1"/>
+          </p:cNvSpPr>
+          <p:nvPr>
+            <p:ph type="ctrTitle"/>
+          </p:nvPr>
+        </p:nvSpPr>
+        <p:spPr/>
+        <p:txBody>
+          <a:bodyPr/>
+          <a:lstStyle/>
+          <a:p>
+            <a:pPr algn="l"/>
+            <a:r>
+              <a:rPr lang="en-US" dirty="0"/>
+              <a:t>Thank you!</a:t>
+            </a:r>
+          </a:p>
+        </p:txBody>
+      </p:sp>
+    </p:spTree>
+    <p:extLst>
+      <p:ext uri="{BB962C8B-B14F-4D97-AF65-F5344CB8AC3E}">
+        <p14:creationId xmlns:p14="http://schemas.microsoft.com/office/powerpoint/2010/main" val="3277284272"/>
       </p:ext>
     </p:extLst>
   </p:cSld>
